--- a/Yu Feng CRC-fungi-Re1 (JY)/S_fig5-Re1 (JY)-Re (YF).pptx
+++ b/Yu Feng CRC-fungi-Re1 (JY)/S_fig5-Re1 (JY)-Re (YF).pptx
@@ -2,7 +2,7 @@
 <file path=ppt/presentation.xml><?xml version="1.0" encoding="utf-8"?>
 <p:presentation xmlns:a="http://schemas.openxmlformats.org/drawingml/2006/main" xmlns:r="http://schemas.openxmlformats.org/officeDocument/2006/relationships" xmlns:p="http://schemas.openxmlformats.org/presentationml/2006/main" saveSubsetFonts="1">
   <p:sldMasterIdLst>
-    <p:sldMasterId id="2147483720" r:id="rId1"/>
+    <p:sldMasterId id="2147483744" r:id="rId1"/>
   </p:sldMasterIdLst>
   <p:notesMasterIdLst>
     <p:notesMasterId r:id="rId3"/>
@@ -10,7 +10,7 @@
   <p:sldIdLst>
     <p:sldId id="256" r:id="rId2"/>
   </p:sldIdLst>
-  <p:sldSz cx="34199513" cy="12599988"/>
+  <p:sldSz cx="28800425" cy="12599988"/>
   <p:notesSz cx="6858000" cy="9144000"/>
   <p:defaultTextStyle>
     <a:defPPr>
@@ -209,7 +209,7 @@
           <a:p>
             <a:fld id="{AA548A79-DF5C-42BC-A964-9ADB8699366B}" type="datetimeFigureOut">
               <a:rPr lang="zh-CN" altLang="en-US" smtClean="0"/>
-              <a:t>2021/10/26</a:t>
+              <a:t>2021/11/2</a:t>
             </a:fld>
             <a:endParaRPr lang="zh-CN" altLang="en-US"/>
           </a:p>
@@ -227,8 +227,8 @@
         </p:nvSpPr>
         <p:spPr>
           <a:xfrm>
-            <a:off x="-758825" y="1143000"/>
-            <a:ext cx="8375650" cy="3086100"/>
+            <a:off x="-96838" y="1143000"/>
+            <a:ext cx="7051676" cy="3086100"/>
           </a:xfrm>
           <a:prstGeom prst="rect">
             <a:avLst/>
@@ -506,8 +506,8 @@
         </p:nvSpPr>
         <p:spPr>
           <a:xfrm>
-            <a:off x="-758825" y="1143000"/>
-            <a:ext cx="8375650" cy="3086100"/>
+            <a:off x="-96838" y="1143000"/>
+            <a:ext cx="7051676" cy="3086100"/>
           </a:xfrm>
         </p:spPr>
       </p:sp>
@@ -595,8 +595,8 @@
         </p:nvSpPr>
         <p:spPr>
           <a:xfrm>
-            <a:off x="4274939" y="2062083"/>
-            <a:ext cx="25649635" cy="4386662"/>
+            <a:off x="3600053" y="2062083"/>
+            <a:ext cx="21600319" cy="4386662"/>
           </a:xfrm>
         </p:spPr>
         <p:txBody>
@@ -608,7 +608,7 @@
           </a:lstStyle>
           <a:p>
             <a:r>
-              <a:rPr lang="en-US"/>
+              <a:rPr lang="en-US" altLang="zh-CN"/>
               <a:t>Click to edit Master title style</a:t>
             </a:r>
             <a:endParaRPr lang="en-US" dirty="0"/>
@@ -627,8 +627,8 @@
         </p:nvSpPr>
         <p:spPr>
           <a:xfrm>
-            <a:off x="4274939" y="6617911"/>
-            <a:ext cx="25649635" cy="3042080"/>
+            <a:off x="3600053" y="6617911"/>
+            <a:ext cx="21600319" cy="3042080"/>
           </a:xfrm>
         </p:spPr>
         <p:txBody>
@@ -673,7 +673,7 @@
           </a:lstStyle>
           <a:p>
             <a:r>
-              <a:rPr lang="en-US"/>
+              <a:rPr lang="en-US" altLang="zh-CN"/>
               <a:t>Click to edit Master subtitle style</a:t>
             </a:r>
             <a:endParaRPr lang="en-US" dirty="0"/>
@@ -697,7 +697,7 @@
           <a:p>
             <a:fld id="{C21F6666-3EDE-4E8B-BC82-F371B9B084D1}" type="datetimeFigureOut">
               <a:rPr lang="zh-CN" altLang="en-US" smtClean="0"/>
-              <a:t>2021/10/26</a:t>
+              <a:t>2021/11/2</a:t>
             </a:fld>
             <a:endParaRPr lang="zh-CN" altLang="en-US"/>
           </a:p>
@@ -748,7 +748,7 @@
     </p:spTree>
     <p:extLst>
       <p:ext uri="{BB962C8B-B14F-4D97-AF65-F5344CB8AC3E}">
-        <p14:creationId xmlns:p14="http://schemas.microsoft.com/office/powerpoint/2010/main" val="1884176839"/>
+        <p14:creationId xmlns:p14="http://schemas.microsoft.com/office/powerpoint/2010/main" val="1644959670"/>
       </p:ext>
     </p:extLst>
   </p:cSld>
@@ -791,7 +791,7 @@
           <a:lstStyle/>
           <a:p>
             <a:r>
-              <a:rPr lang="en-US"/>
+              <a:rPr lang="en-US" altLang="zh-CN"/>
               <a:t>Click to edit Master title style</a:t>
             </a:r>
             <a:endParaRPr lang="en-US" dirty="0"/>
@@ -815,35 +815,35 @@
           <a:p>
             <a:pPr lvl="0"/>
             <a:r>
-              <a:rPr lang="en-US"/>
-              <a:t>Edit Master text styles</a:t>
+              <a:rPr lang="en-US" altLang="zh-CN"/>
+              <a:t>Click to edit Master text styles</a:t>
             </a:r>
           </a:p>
           <a:p>
             <a:pPr lvl="1"/>
             <a:r>
-              <a:rPr lang="en-US"/>
+              <a:rPr lang="en-US" altLang="zh-CN"/>
               <a:t>Second level</a:t>
             </a:r>
           </a:p>
           <a:p>
             <a:pPr lvl="2"/>
             <a:r>
-              <a:rPr lang="en-US"/>
+              <a:rPr lang="en-US" altLang="zh-CN"/>
               <a:t>Third level</a:t>
             </a:r>
           </a:p>
           <a:p>
             <a:pPr lvl="3"/>
             <a:r>
-              <a:rPr lang="en-US"/>
+              <a:rPr lang="en-US" altLang="zh-CN"/>
               <a:t>Fourth level</a:t>
             </a:r>
           </a:p>
           <a:p>
             <a:pPr lvl="4"/>
             <a:r>
-              <a:rPr lang="en-US"/>
+              <a:rPr lang="en-US" altLang="zh-CN"/>
               <a:t>Fifth level</a:t>
             </a:r>
             <a:endParaRPr lang="en-US" dirty="0"/>
@@ -867,7 +867,7 @@
           <a:p>
             <a:fld id="{C21F6666-3EDE-4E8B-BC82-F371B9B084D1}" type="datetimeFigureOut">
               <a:rPr lang="zh-CN" altLang="en-US" smtClean="0"/>
-              <a:t>2021/10/26</a:t>
+              <a:t>2021/11/2</a:t>
             </a:fld>
             <a:endParaRPr lang="zh-CN" altLang="en-US"/>
           </a:p>
@@ -918,7 +918,7 @@
     </p:spTree>
     <p:extLst>
       <p:ext uri="{BB962C8B-B14F-4D97-AF65-F5344CB8AC3E}">
-        <p14:creationId xmlns:p14="http://schemas.microsoft.com/office/powerpoint/2010/main" val="2880929900"/>
+        <p14:creationId xmlns:p14="http://schemas.microsoft.com/office/powerpoint/2010/main" val="3813096541"/>
       </p:ext>
     </p:extLst>
   </p:cSld>
@@ -957,8 +957,8 @@
         </p:nvSpPr>
         <p:spPr>
           <a:xfrm>
-            <a:off x="24474026" y="670833"/>
-            <a:ext cx="7374270" cy="10677907"/>
+            <a:off x="20610304" y="670833"/>
+            <a:ext cx="6210092" cy="10677907"/>
           </a:xfrm>
         </p:spPr>
         <p:txBody>
@@ -966,7 +966,7 @@
           <a:lstStyle/>
           <a:p>
             <a:r>
-              <a:rPr lang="en-US"/>
+              <a:rPr lang="en-US" altLang="zh-CN"/>
               <a:t>Click to edit Master title style</a:t>
             </a:r>
             <a:endParaRPr lang="en-US" dirty="0"/>
@@ -985,8 +985,8 @@
         </p:nvSpPr>
         <p:spPr>
           <a:xfrm>
-            <a:off x="2351217" y="670833"/>
-            <a:ext cx="21695316" cy="10677907"/>
+            <a:off x="1980029" y="670833"/>
+            <a:ext cx="18270270" cy="10677907"/>
           </a:xfrm>
         </p:spPr>
         <p:txBody>
@@ -995,35 +995,35 @@
           <a:p>
             <a:pPr lvl="0"/>
             <a:r>
-              <a:rPr lang="en-US"/>
-              <a:t>Edit Master text styles</a:t>
+              <a:rPr lang="en-US" altLang="zh-CN"/>
+              <a:t>Click to edit Master text styles</a:t>
             </a:r>
           </a:p>
           <a:p>
             <a:pPr lvl="1"/>
             <a:r>
-              <a:rPr lang="en-US"/>
+              <a:rPr lang="en-US" altLang="zh-CN"/>
               <a:t>Second level</a:t>
             </a:r>
           </a:p>
           <a:p>
             <a:pPr lvl="2"/>
             <a:r>
-              <a:rPr lang="en-US"/>
+              <a:rPr lang="en-US" altLang="zh-CN"/>
               <a:t>Third level</a:t>
             </a:r>
           </a:p>
           <a:p>
             <a:pPr lvl="3"/>
             <a:r>
-              <a:rPr lang="en-US"/>
+              <a:rPr lang="en-US" altLang="zh-CN"/>
               <a:t>Fourth level</a:t>
             </a:r>
           </a:p>
           <a:p>
             <a:pPr lvl="4"/>
             <a:r>
-              <a:rPr lang="en-US"/>
+              <a:rPr lang="en-US" altLang="zh-CN"/>
               <a:t>Fifth level</a:t>
             </a:r>
             <a:endParaRPr lang="en-US" dirty="0"/>
@@ -1047,7 +1047,7 @@
           <a:p>
             <a:fld id="{C21F6666-3EDE-4E8B-BC82-F371B9B084D1}" type="datetimeFigureOut">
               <a:rPr lang="zh-CN" altLang="en-US" smtClean="0"/>
-              <a:t>2021/10/26</a:t>
+              <a:t>2021/11/2</a:t>
             </a:fld>
             <a:endParaRPr lang="zh-CN" altLang="en-US"/>
           </a:p>
@@ -1098,7 +1098,7 @@
     </p:spTree>
     <p:extLst>
       <p:ext uri="{BB962C8B-B14F-4D97-AF65-F5344CB8AC3E}">
-        <p14:creationId xmlns:p14="http://schemas.microsoft.com/office/powerpoint/2010/main" val="3592755566"/>
+        <p14:creationId xmlns:p14="http://schemas.microsoft.com/office/powerpoint/2010/main" val="3411225254"/>
       </p:ext>
     </p:extLst>
   </p:cSld>
@@ -1141,7 +1141,7 @@
           <a:lstStyle/>
           <a:p>
             <a:r>
-              <a:rPr lang="en-US"/>
+              <a:rPr lang="en-US" altLang="zh-CN"/>
               <a:t>Click to edit Master title style</a:t>
             </a:r>
             <a:endParaRPr lang="en-US" dirty="0"/>
@@ -1165,35 +1165,35 @@
           <a:p>
             <a:pPr lvl="0"/>
             <a:r>
-              <a:rPr lang="en-US"/>
-              <a:t>Edit Master text styles</a:t>
+              <a:rPr lang="en-US" altLang="zh-CN"/>
+              <a:t>Click to edit Master text styles</a:t>
             </a:r>
           </a:p>
           <a:p>
             <a:pPr lvl="1"/>
             <a:r>
-              <a:rPr lang="en-US"/>
+              <a:rPr lang="en-US" altLang="zh-CN"/>
               <a:t>Second level</a:t>
             </a:r>
           </a:p>
           <a:p>
             <a:pPr lvl="2"/>
             <a:r>
-              <a:rPr lang="en-US"/>
+              <a:rPr lang="en-US" altLang="zh-CN"/>
               <a:t>Third level</a:t>
             </a:r>
           </a:p>
           <a:p>
             <a:pPr lvl="3"/>
             <a:r>
-              <a:rPr lang="en-US"/>
+              <a:rPr lang="en-US" altLang="zh-CN"/>
               <a:t>Fourth level</a:t>
             </a:r>
           </a:p>
           <a:p>
             <a:pPr lvl="4"/>
             <a:r>
-              <a:rPr lang="en-US"/>
+              <a:rPr lang="en-US" altLang="zh-CN"/>
               <a:t>Fifth level</a:t>
             </a:r>
             <a:endParaRPr lang="en-US" dirty="0"/>
@@ -1217,7 +1217,7 @@
           <a:p>
             <a:fld id="{C21F6666-3EDE-4E8B-BC82-F371B9B084D1}" type="datetimeFigureOut">
               <a:rPr lang="zh-CN" altLang="en-US" smtClean="0"/>
-              <a:t>2021/10/26</a:t>
+              <a:t>2021/11/2</a:t>
             </a:fld>
             <a:endParaRPr lang="zh-CN" altLang="en-US"/>
           </a:p>
@@ -1268,7 +1268,7 @@
     </p:spTree>
     <p:extLst>
       <p:ext uri="{BB962C8B-B14F-4D97-AF65-F5344CB8AC3E}">
-        <p14:creationId xmlns:p14="http://schemas.microsoft.com/office/powerpoint/2010/main" val="1007779436"/>
+        <p14:creationId xmlns:p14="http://schemas.microsoft.com/office/powerpoint/2010/main" val="1436774006"/>
       </p:ext>
     </p:extLst>
   </p:cSld>
@@ -1307,8 +1307,8 @@
         </p:nvSpPr>
         <p:spPr>
           <a:xfrm>
-            <a:off x="2333404" y="3141249"/>
-            <a:ext cx="29497080" cy="5241244"/>
+            <a:off x="1965029" y="3141249"/>
+            <a:ext cx="24840367" cy="5241244"/>
           </a:xfrm>
         </p:spPr>
         <p:txBody>
@@ -1320,7 +1320,7 @@
           </a:lstStyle>
           <a:p>
             <a:r>
-              <a:rPr lang="en-US"/>
+              <a:rPr lang="en-US" altLang="zh-CN"/>
               <a:t>Click to edit Master title style</a:t>
             </a:r>
             <a:endParaRPr lang="en-US" dirty="0"/>
@@ -1339,8 +1339,8 @@
         </p:nvSpPr>
         <p:spPr>
           <a:xfrm>
-            <a:off x="2333404" y="8432077"/>
-            <a:ext cx="29497080" cy="2756246"/>
+            <a:off x="1965029" y="8432077"/>
+            <a:ext cx="24840367" cy="2756246"/>
           </a:xfrm>
         </p:spPr>
         <p:txBody>
@@ -1440,8 +1440,8 @@
           <a:p>
             <a:pPr lvl="0"/>
             <a:r>
-              <a:rPr lang="en-US"/>
-              <a:t>Edit Master text styles</a:t>
+              <a:rPr lang="en-US" altLang="zh-CN"/>
+              <a:t>Click to edit Master text styles</a:t>
             </a:r>
           </a:p>
         </p:txBody>
@@ -1463,7 +1463,7 @@
           <a:p>
             <a:fld id="{C21F6666-3EDE-4E8B-BC82-F371B9B084D1}" type="datetimeFigureOut">
               <a:rPr lang="zh-CN" altLang="en-US" smtClean="0"/>
-              <a:t>2021/10/26</a:t>
+              <a:t>2021/11/2</a:t>
             </a:fld>
             <a:endParaRPr lang="zh-CN" altLang="en-US"/>
           </a:p>
@@ -1514,7 +1514,7 @@
     </p:spTree>
     <p:extLst>
       <p:ext uri="{BB962C8B-B14F-4D97-AF65-F5344CB8AC3E}">
-        <p14:creationId xmlns:p14="http://schemas.microsoft.com/office/powerpoint/2010/main" val="203179585"/>
+        <p14:creationId xmlns:p14="http://schemas.microsoft.com/office/powerpoint/2010/main" val="2474184698"/>
       </p:ext>
     </p:extLst>
   </p:cSld>
@@ -1557,7 +1557,7 @@
           <a:lstStyle/>
           <a:p>
             <a:r>
-              <a:rPr lang="en-US"/>
+              <a:rPr lang="en-US" altLang="zh-CN"/>
               <a:t>Click to edit Master title style</a:t>
             </a:r>
             <a:endParaRPr lang="en-US" dirty="0"/>
@@ -1576,8 +1576,8 @@
         </p:nvSpPr>
         <p:spPr>
           <a:xfrm>
-            <a:off x="2351217" y="3354163"/>
-            <a:ext cx="14534793" cy="7994577"/>
+            <a:off x="1980029" y="3354163"/>
+            <a:ext cx="12240181" cy="7994577"/>
           </a:xfrm>
         </p:spPr>
         <p:txBody>
@@ -1586,35 +1586,35 @@
           <a:p>
             <a:pPr lvl="0"/>
             <a:r>
-              <a:rPr lang="en-US"/>
-              <a:t>Edit Master text styles</a:t>
+              <a:rPr lang="en-US" altLang="zh-CN"/>
+              <a:t>Click to edit Master text styles</a:t>
             </a:r>
           </a:p>
           <a:p>
             <a:pPr lvl="1"/>
             <a:r>
-              <a:rPr lang="en-US"/>
+              <a:rPr lang="en-US" altLang="zh-CN"/>
               <a:t>Second level</a:t>
             </a:r>
           </a:p>
           <a:p>
             <a:pPr lvl="2"/>
             <a:r>
-              <a:rPr lang="en-US"/>
+              <a:rPr lang="en-US" altLang="zh-CN"/>
               <a:t>Third level</a:t>
             </a:r>
           </a:p>
           <a:p>
             <a:pPr lvl="3"/>
             <a:r>
-              <a:rPr lang="en-US"/>
+              <a:rPr lang="en-US" altLang="zh-CN"/>
               <a:t>Fourth level</a:t>
             </a:r>
           </a:p>
           <a:p>
             <a:pPr lvl="4"/>
             <a:r>
-              <a:rPr lang="en-US"/>
+              <a:rPr lang="en-US" altLang="zh-CN"/>
               <a:t>Fifth level</a:t>
             </a:r>
             <a:endParaRPr lang="en-US" dirty="0"/>
@@ -1633,8 +1633,8 @@
         </p:nvSpPr>
         <p:spPr>
           <a:xfrm>
-            <a:off x="17313503" y="3354163"/>
-            <a:ext cx="14534793" cy="7994577"/>
+            <a:off x="14580215" y="3354163"/>
+            <a:ext cx="12240181" cy="7994577"/>
           </a:xfrm>
         </p:spPr>
         <p:txBody>
@@ -1643,35 +1643,35 @@
           <a:p>
             <a:pPr lvl="0"/>
             <a:r>
-              <a:rPr lang="en-US"/>
-              <a:t>Edit Master text styles</a:t>
+              <a:rPr lang="en-US" altLang="zh-CN"/>
+              <a:t>Click to edit Master text styles</a:t>
             </a:r>
           </a:p>
           <a:p>
             <a:pPr lvl="1"/>
             <a:r>
-              <a:rPr lang="en-US"/>
+              <a:rPr lang="en-US" altLang="zh-CN"/>
               <a:t>Second level</a:t>
             </a:r>
           </a:p>
           <a:p>
             <a:pPr lvl="2"/>
             <a:r>
-              <a:rPr lang="en-US"/>
+              <a:rPr lang="en-US" altLang="zh-CN"/>
               <a:t>Third level</a:t>
             </a:r>
           </a:p>
           <a:p>
             <a:pPr lvl="3"/>
             <a:r>
-              <a:rPr lang="en-US"/>
+              <a:rPr lang="en-US" altLang="zh-CN"/>
               <a:t>Fourth level</a:t>
             </a:r>
           </a:p>
           <a:p>
             <a:pPr lvl="4"/>
             <a:r>
-              <a:rPr lang="en-US"/>
+              <a:rPr lang="en-US" altLang="zh-CN"/>
               <a:t>Fifth level</a:t>
             </a:r>
             <a:endParaRPr lang="en-US" dirty="0"/>
@@ -1695,7 +1695,7 @@
           <a:p>
             <a:fld id="{C21F6666-3EDE-4E8B-BC82-F371B9B084D1}" type="datetimeFigureOut">
               <a:rPr lang="zh-CN" altLang="en-US" smtClean="0"/>
-              <a:t>2021/10/26</a:t>
+              <a:t>2021/11/2</a:t>
             </a:fld>
             <a:endParaRPr lang="zh-CN" altLang="en-US"/>
           </a:p>
@@ -1746,7 +1746,7 @@
     </p:spTree>
     <p:extLst>
       <p:ext uri="{BB962C8B-B14F-4D97-AF65-F5344CB8AC3E}">
-        <p14:creationId xmlns:p14="http://schemas.microsoft.com/office/powerpoint/2010/main" val="4262090050"/>
+        <p14:creationId xmlns:p14="http://schemas.microsoft.com/office/powerpoint/2010/main" val="2308207519"/>
       </p:ext>
     </p:extLst>
   </p:cSld>
@@ -1785,8 +1785,8 @@
         </p:nvSpPr>
         <p:spPr>
           <a:xfrm>
-            <a:off x="2355671" y="670834"/>
-            <a:ext cx="29497080" cy="2435415"/>
+            <a:off x="1983780" y="670834"/>
+            <a:ext cx="24840367" cy="2435415"/>
           </a:xfrm>
         </p:spPr>
         <p:txBody>
@@ -1794,7 +1794,7 @@
           <a:lstStyle/>
           <a:p>
             <a:r>
-              <a:rPr lang="en-US"/>
+              <a:rPr lang="en-US" altLang="zh-CN"/>
               <a:t>Click to edit Master title style</a:t>
             </a:r>
             <a:endParaRPr lang="en-US" dirty="0"/>
@@ -1813,8 +1813,8 @@
         </p:nvSpPr>
         <p:spPr>
           <a:xfrm>
-            <a:off x="2355672" y="3088748"/>
-            <a:ext cx="14467996" cy="1513748"/>
+            <a:off x="1983781" y="3088748"/>
+            <a:ext cx="12183929" cy="1513748"/>
           </a:xfrm>
         </p:spPr>
         <p:txBody>
@@ -1860,8 +1860,8 @@
           <a:p>
             <a:pPr lvl="0"/>
             <a:r>
-              <a:rPr lang="en-US"/>
-              <a:t>Edit Master text styles</a:t>
+              <a:rPr lang="en-US" altLang="zh-CN"/>
+              <a:t>Click to edit Master text styles</a:t>
             </a:r>
           </a:p>
         </p:txBody>
@@ -1878,8 +1878,8 @@
         </p:nvSpPr>
         <p:spPr>
           <a:xfrm>
-            <a:off x="2355672" y="4602496"/>
-            <a:ext cx="14467996" cy="6769578"/>
+            <a:off x="1983781" y="4602496"/>
+            <a:ext cx="12183929" cy="6769578"/>
           </a:xfrm>
         </p:spPr>
         <p:txBody>
@@ -1888,35 +1888,35 @@
           <a:p>
             <a:pPr lvl="0"/>
             <a:r>
-              <a:rPr lang="en-US"/>
-              <a:t>Edit Master text styles</a:t>
+              <a:rPr lang="en-US" altLang="zh-CN"/>
+              <a:t>Click to edit Master text styles</a:t>
             </a:r>
           </a:p>
           <a:p>
             <a:pPr lvl="1"/>
             <a:r>
-              <a:rPr lang="en-US"/>
+              <a:rPr lang="en-US" altLang="zh-CN"/>
               <a:t>Second level</a:t>
             </a:r>
           </a:p>
           <a:p>
             <a:pPr lvl="2"/>
             <a:r>
-              <a:rPr lang="en-US"/>
+              <a:rPr lang="en-US" altLang="zh-CN"/>
               <a:t>Third level</a:t>
             </a:r>
           </a:p>
           <a:p>
             <a:pPr lvl="3"/>
             <a:r>
-              <a:rPr lang="en-US"/>
+              <a:rPr lang="en-US" altLang="zh-CN"/>
               <a:t>Fourth level</a:t>
             </a:r>
           </a:p>
           <a:p>
             <a:pPr lvl="4"/>
             <a:r>
-              <a:rPr lang="en-US"/>
+              <a:rPr lang="en-US" altLang="zh-CN"/>
               <a:t>Fifth level</a:t>
             </a:r>
             <a:endParaRPr lang="en-US" dirty="0"/>
@@ -1935,8 +1935,8 @@
         </p:nvSpPr>
         <p:spPr>
           <a:xfrm>
-            <a:off x="17313504" y="3088748"/>
-            <a:ext cx="14539247" cy="1513748"/>
+            <a:off x="14580215" y="3088748"/>
+            <a:ext cx="12243932" cy="1513748"/>
           </a:xfrm>
         </p:spPr>
         <p:txBody>
@@ -1982,8 +1982,8 @@
           <a:p>
             <a:pPr lvl="0"/>
             <a:r>
-              <a:rPr lang="en-US"/>
-              <a:t>Edit Master text styles</a:t>
+              <a:rPr lang="en-US" altLang="zh-CN"/>
+              <a:t>Click to edit Master text styles</a:t>
             </a:r>
           </a:p>
         </p:txBody>
@@ -2000,8 +2000,8 @@
         </p:nvSpPr>
         <p:spPr>
           <a:xfrm>
-            <a:off x="17313504" y="4602496"/>
-            <a:ext cx="14539247" cy="6769578"/>
+            <a:off x="14580215" y="4602496"/>
+            <a:ext cx="12243932" cy="6769578"/>
           </a:xfrm>
         </p:spPr>
         <p:txBody>
@@ -2010,35 +2010,35 @@
           <a:p>
             <a:pPr lvl="0"/>
             <a:r>
-              <a:rPr lang="en-US"/>
-              <a:t>Edit Master text styles</a:t>
+              <a:rPr lang="en-US" altLang="zh-CN"/>
+              <a:t>Click to edit Master text styles</a:t>
             </a:r>
           </a:p>
           <a:p>
             <a:pPr lvl="1"/>
             <a:r>
-              <a:rPr lang="en-US"/>
+              <a:rPr lang="en-US" altLang="zh-CN"/>
               <a:t>Second level</a:t>
             </a:r>
           </a:p>
           <a:p>
             <a:pPr lvl="2"/>
             <a:r>
-              <a:rPr lang="en-US"/>
+              <a:rPr lang="en-US" altLang="zh-CN"/>
               <a:t>Third level</a:t>
             </a:r>
           </a:p>
           <a:p>
             <a:pPr lvl="3"/>
             <a:r>
-              <a:rPr lang="en-US"/>
+              <a:rPr lang="en-US" altLang="zh-CN"/>
               <a:t>Fourth level</a:t>
             </a:r>
           </a:p>
           <a:p>
             <a:pPr lvl="4"/>
             <a:r>
-              <a:rPr lang="en-US"/>
+              <a:rPr lang="en-US" altLang="zh-CN"/>
               <a:t>Fifth level</a:t>
             </a:r>
             <a:endParaRPr lang="en-US" dirty="0"/>
@@ -2062,7 +2062,7 @@
           <a:p>
             <a:fld id="{C21F6666-3EDE-4E8B-BC82-F371B9B084D1}" type="datetimeFigureOut">
               <a:rPr lang="zh-CN" altLang="en-US" smtClean="0"/>
-              <a:t>2021/10/26</a:t>
+              <a:t>2021/11/2</a:t>
             </a:fld>
             <a:endParaRPr lang="zh-CN" altLang="en-US"/>
           </a:p>
@@ -2113,7 +2113,7 @@
     </p:spTree>
     <p:extLst>
       <p:ext uri="{BB962C8B-B14F-4D97-AF65-F5344CB8AC3E}">
-        <p14:creationId xmlns:p14="http://schemas.microsoft.com/office/powerpoint/2010/main" val="3117788303"/>
+        <p14:creationId xmlns:p14="http://schemas.microsoft.com/office/powerpoint/2010/main" val="3378510723"/>
       </p:ext>
     </p:extLst>
   </p:cSld>
@@ -2156,7 +2156,7 @@
           <a:lstStyle/>
           <a:p>
             <a:r>
-              <a:rPr lang="en-US"/>
+              <a:rPr lang="en-US" altLang="zh-CN"/>
               <a:t>Click to edit Master title style</a:t>
             </a:r>
             <a:endParaRPr lang="en-US" dirty="0"/>
@@ -2180,7 +2180,7 @@
           <a:p>
             <a:fld id="{C21F6666-3EDE-4E8B-BC82-F371B9B084D1}" type="datetimeFigureOut">
               <a:rPr lang="zh-CN" altLang="en-US" smtClean="0"/>
-              <a:t>2021/10/26</a:t>
+              <a:t>2021/11/2</a:t>
             </a:fld>
             <a:endParaRPr lang="zh-CN" altLang="en-US"/>
           </a:p>
@@ -2231,7 +2231,7 @@
     </p:spTree>
     <p:extLst>
       <p:ext uri="{BB962C8B-B14F-4D97-AF65-F5344CB8AC3E}">
-        <p14:creationId xmlns:p14="http://schemas.microsoft.com/office/powerpoint/2010/main" val="3519416391"/>
+        <p14:creationId xmlns:p14="http://schemas.microsoft.com/office/powerpoint/2010/main" val="4261001099"/>
       </p:ext>
     </p:extLst>
   </p:cSld>
@@ -2275,7 +2275,7 @@
           <a:p>
             <a:fld id="{C21F6666-3EDE-4E8B-BC82-F371B9B084D1}" type="datetimeFigureOut">
               <a:rPr lang="zh-CN" altLang="en-US" smtClean="0"/>
-              <a:t>2021/10/26</a:t>
+              <a:t>2021/11/2</a:t>
             </a:fld>
             <a:endParaRPr lang="zh-CN" altLang="en-US"/>
           </a:p>
@@ -2326,7 +2326,7 @@
     </p:spTree>
     <p:extLst>
       <p:ext uri="{BB962C8B-B14F-4D97-AF65-F5344CB8AC3E}">
-        <p14:creationId xmlns:p14="http://schemas.microsoft.com/office/powerpoint/2010/main" val="1491178350"/>
+        <p14:creationId xmlns:p14="http://schemas.microsoft.com/office/powerpoint/2010/main" val="1406782884"/>
       </p:ext>
     </p:extLst>
   </p:cSld>
@@ -2365,8 +2365,8 @@
         </p:nvSpPr>
         <p:spPr>
           <a:xfrm>
-            <a:off x="2355672" y="839999"/>
-            <a:ext cx="11030232" cy="2939997"/>
+            <a:off x="1983782" y="839999"/>
+            <a:ext cx="9288886" cy="2939997"/>
           </a:xfrm>
         </p:spPr>
         <p:txBody>
@@ -2378,7 +2378,7 @@
           </a:lstStyle>
           <a:p>
             <a:r>
-              <a:rPr lang="en-US"/>
+              <a:rPr lang="en-US" altLang="zh-CN"/>
               <a:t>Click to edit Master title style</a:t>
             </a:r>
             <a:endParaRPr lang="en-US" dirty="0"/>
@@ -2397,8 +2397,8 @@
         </p:nvSpPr>
         <p:spPr>
           <a:xfrm>
-            <a:off x="14539248" y="1814166"/>
-            <a:ext cx="17313503" cy="8954158"/>
+            <a:off x="12243932" y="1814166"/>
+            <a:ext cx="14580215" cy="8954158"/>
           </a:xfrm>
         </p:spPr>
         <p:txBody>
@@ -2435,35 +2435,35 @@
           <a:p>
             <a:pPr lvl="0"/>
             <a:r>
-              <a:rPr lang="en-US"/>
-              <a:t>Edit Master text styles</a:t>
+              <a:rPr lang="en-US" altLang="zh-CN"/>
+              <a:t>Click to edit Master text styles</a:t>
             </a:r>
           </a:p>
           <a:p>
             <a:pPr lvl="1"/>
             <a:r>
-              <a:rPr lang="en-US"/>
+              <a:rPr lang="en-US" altLang="zh-CN"/>
               <a:t>Second level</a:t>
             </a:r>
           </a:p>
           <a:p>
             <a:pPr lvl="2"/>
             <a:r>
-              <a:rPr lang="en-US"/>
+              <a:rPr lang="en-US" altLang="zh-CN"/>
               <a:t>Third level</a:t>
             </a:r>
           </a:p>
           <a:p>
             <a:pPr lvl="3"/>
             <a:r>
-              <a:rPr lang="en-US"/>
+              <a:rPr lang="en-US" altLang="zh-CN"/>
               <a:t>Fourth level</a:t>
             </a:r>
           </a:p>
           <a:p>
             <a:pPr lvl="4"/>
             <a:r>
-              <a:rPr lang="en-US"/>
+              <a:rPr lang="en-US" altLang="zh-CN"/>
               <a:t>Fifth level</a:t>
             </a:r>
             <a:endParaRPr lang="en-US" dirty="0"/>
@@ -2482,8 +2482,8 @@
         </p:nvSpPr>
         <p:spPr>
           <a:xfrm>
-            <a:off x="2355672" y="3779996"/>
-            <a:ext cx="11030232" cy="7002911"/>
+            <a:off x="1983782" y="3779996"/>
+            <a:ext cx="9288886" cy="7002911"/>
           </a:xfrm>
         </p:spPr>
         <p:txBody>
@@ -2529,8 +2529,8 @@
           <a:p>
             <a:pPr lvl="0"/>
             <a:r>
-              <a:rPr lang="en-US"/>
-              <a:t>Edit Master text styles</a:t>
+              <a:rPr lang="en-US" altLang="zh-CN"/>
+              <a:t>Click to edit Master text styles</a:t>
             </a:r>
           </a:p>
         </p:txBody>
@@ -2552,7 +2552,7 @@
           <a:p>
             <a:fld id="{C21F6666-3EDE-4E8B-BC82-F371B9B084D1}" type="datetimeFigureOut">
               <a:rPr lang="zh-CN" altLang="en-US" smtClean="0"/>
-              <a:t>2021/10/26</a:t>
+              <a:t>2021/11/2</a:t>
             </a:fld>
             <a:endParaRPr lang="zh-CN" altLang="en-US"/>
           </a:p>
@@ -2603,7 +2603,7 @@
     </p:spTree>
     <p:extLst>
       <p:ext uri="{BB962C8B-B14F-4D97-AF65-F5344CB8AC3E}">
-        <p14:creationId xmlns:p14="http://schemas.microsoft.com/office/powerpoint/2010/main" val="2254692333"/>
+        <p14:creationId xmlns:p14="http://schemas.microsoft.com/office/powerpoint/2010/main" val="3955831198"/>
       </p:ext>
     </p:extLst>
   </p:cSld>
@@ -2642,8 +2642,8 @@
         </p:nvSpPr>
         <p:spPr>
           <a:xfrm>
-            <a:off x="2355672" y="839999"/>
-            <a:ext cx="11030232" cy="2939997"/>
+            <a:off x="1983782" y="839999"/>
+            <a:ext cx="9288886" cy="2939997"/>
           </a:xfrm>
         </p:spPr>
         <p:txBody>
@@ -2655,7 +2655,7 @@
           </a:lstStyle>
           <a:p>
             <a:r>
-              <a:rPr lang="en-US"/>
+              <a:rPr lang="en-US" altLang="zh-CN"/>
               <a:t>Click to edit Master title style</a:t>
             </a:r>
             <a:endParaRPr lang="en-US" dirty="0"/>
@@ -2674,8 +2674,8 @@
         </p:nvSpPr>
         <p:spPr>
           <a:xfrm>
-            <a:off x="14539248" y="1814166"/>
-            <a:ext cx="17313503" cy="8954158"/>
+            <a:off x="12243932" y="1814166"/>
+            <a:ext cx="14580215" cy="8954158"/>
           </a:xfrm>
         </p:spPr>
         <p:txBody>
@@ -2720,7 +2720,7 @@
           </a:lstStyle>
           <a:p>
             <a:r>
-              <a:rPr lang="en-US"/>
+              <a:rPr lang="en-US" altLang="zh-CN"/>
               <a:t>Click icon to add picture</a:t>
             </a:r>
             <a:endParaRPr lang="en-US" dirty="0"/>
@@ -2739,8 +2739,8 @@
         </p:nvSpPr>
         <p:spPr>
           <a:xfrm>
-            <a:off x="2355672" y="3779996"/>
-            <a:ext cx="11030232" cy="7002911"/>
+            <a:off x="1983782" y="3779996"/>
+            <a:ext cx="9288886" cy="7002911"/>
           </a:xfrm>
         </p:spPr>
         <p:txBody>
@@ -2786,8 +2786,8 @@
           <a:p>
             <a:pPr lvl="0"/>
             <a:r>
-              <a:rPr lang="en-US"/>
-              <a:t>Edit Master text styles</a:t>
+              <a:rPr lang="en-US" altLang="zh-CN"/>
+              <a:t>Click to edit Master text styles</a:t>
             </a:r>
           </a:p>
         </p:txBody>
@@ -2809,7 +2809,7 @@
           <a:p>
             <a:fld id="{C21F6666-3EDE-4E8B-BC82-F371B9B084D1}" type="datetimeFigureOut">
               <a:rPr lang="zh-CN" altLang="en-US" smtClean="0"/>
-              <a:t>2021/10/26</a:t>
+              <a:t>2021/11/2</a:t>
             </a:fld>
             <a:endParaRPr lang="zh-CN" altLang="en-US"/>
           </a:p>
@@ -2860,7 +2860,7 @@
     </p:spTree>
     <p:extLst>
       <p:ext uri="{BB962C8B-B14F-4D97-AF65-F5344CB8AC3E}">
-        <p14:creationId xmlns:p14="http://schemas.microsoft.com/office/powerpoint/2010/main" val="3274781586"/>
+        <p14:creationId xmlns:p14="http://schemas.microsoft.com/office/powerpoint/2010/main" val="2051086007"/>
       </p:ext>
     </p:extLst>
   </p:cSld>
@@ -2904,8 +2904,8 @@
         </p:nvSpPr>
         <p:spPr>
           <a:xfrm>
-            <a:off x="2351217" y="670834"/>
-            <a:ext cx="29497080" cy="2435415"/>
+            <a:off x="1980029" y="670834"/>
+            <a:ext cx="24840367" cy="2435415"/>
           </a:xfrm>
           <a:prstGeom prst="rect">
             <a:avLst/>
@@ -2918,7 +2918,7 @@
           <a:lstStyle/>
           <a:p>
             <a:r>
-              <a:rPr lang="en-US"/>
+              <a:rPr lang="en-US" altLang="zh-CN"/>
               <a:t>Click to edit Master title style</a:t>
             </a:r>
             <a:endParaRPr lang="en-US" dirty="0"/>
@@ -2937,8 +2937,8 @@
         </p:nvSpPr>
         <p:spPr>
           <a:xfrm>
-            <a:off x="2351217" y="3354163"/>
-            <a:ext cx="29497080" cy="7994577"/>
+            <a:off x="1980029" y="3354163"/>
+            <a:ext cx="24840367" cy="7994577"/>
           </a:xfrm>
           <a:prstGeom prst="rect">
             <a:avLst/>
@@ -2952,35 +2952,35 @@
           <a:p>
             <a:pPr lvl="0"/>
             <a:r>
-              <a:rPr lang="en-US"/>
-              <a:t>Edit Master text styles</a:t>
+              <a:rPr lang="en-US" altLang="zh-CN"/>
+              <a:t>Click to edit Master text styles</a:t>
             </a:r>
           </a:p>
           <a:p>
             <a:pPr lvl="1"/>
             <a:r>
-              <a:rPr lang="en-US"/>
+              <a:rPr lang="en-US" altLang="zh-CN"/>
               <a:t>Second level</a:t>
             </a:r>
           </a:p>
           <a:p>
             <a:pPr lvl="2"/>
             <a:r>
-              <a:rPr lang="en-US"/>
+              <a:rPr lang="en-US" altLang="zh-CN"/>
               <a:t>Third level</a:t>
             </a:r>
           </a:p>
           <a:p>
             <a:pPr lvl="3"/>
             <a:r>
-              <a:rPr lang="en-US"/>
+              <a:rPr lang="en-US" altLang="zh-CN"/>
               <a:t>Fourth level</a:t>
             </a:r>
           </a:p>
           <a:p>
             <a:pPr lvl="4"/>
             <a:r>
-              <a:rPr lang="en-US"/>
+              <a:rPr lang="en-US" altLang="zh-CN"/>
               <a:t>Fifth level</a:t>
             </a:r>
             <a:endParaRPr lang="en-US" dirty="0"/>
@@ -2999,8 +2999,8 @@
         </p:nvSpPr>
         <p:spPr>
           <a:xfrm>
-            <a:off x="2351217" y="11678323"/>
-            <a:ext cx="7694890" cy="670833"/>
+            <a:off x="1980029" y="11678323"/>
+            <a:ext cx="6480096" cy="670833"/>
           </a:xfrm>
           <a:prstGeom prst="rect">
             <a:avLst/>
@@ -3022,7 +3022,7 @@
           <a:p>
             <a:fld id="{C21F6666-3EDE-4E8B-BC82-F371B9B084D1}" type="datetimeFigureOut">
               <a:rPr lang="zh-CN" altLang="en-US" smtClean="0"/>
-              <a:t>2021/10/26</a:t>
+              <a:t>2021/11/2</a:t>
             </a:fld>
             <a:endParaRPr lang="zh-CN" altLang="en-US"/>
           </a:p>
@@ -3040,8 +3040,8 @@
         </p:nvSpPr>
         <p:spPr>
           <a:xfrm>
-            <a:off x="11328589" y="11678323"/>
-            <a:ext cx="11542336" cy="670833"/>
+            <a:off x="9540141" y="11678323"/>
+            <a:ext cx="9720143" cy="670833"/>
           </a:xfrm>
           <a:prstGeom prst="rect">
             <a:avLst/>
@@ -3077,8 +3077,8 @@
         </p:nvSpPr>
         <p:spPr>
           <a:xfrm>
-            <a:off x="24153406" y="11678323"/>
-            <a:ext cx="7694890" cy="670833"/>
+            <a:off x="20340300" y="11678323"/>
+            <a:ext cx="6480096" cy="670833"/>
           </a:xfrm>
           <a:prstGeom prst="rect">
             <a:avLst/>
@@ -3109,23 +3109,23 @@
     </p:spTree>
     <p:extLst>
       <p:ext uri="{BB962C8B-B14F-4D97-AF65-F5344CB8AC3E}">
-        <p14:creationId xmlns:p14="http://schemas.microsoft.com/office/powerpoint/2010/main" val="2161384558"/>
+        <p14:creationId xmlns:p14="http://schemas.microsoft.com/office/powerpoint/2010/main" val="2997640486"/>
       </p:ext>
     </p:extLst>
   </p:cSld>
   <p:clrMap bg1="lt1" tx1="dk1" bg2="lt2" tx2="dk2" accent1="accent1" accent2="accent2" accent3="accent3" accent4="accent4" accent5="accent5" accent6="accent6" hlink="hlink" folHlink="folHlink"/>
   <p:sldLayoutIdLst>
-    <p:sldLayoutId id="2147483721" r:id="rId1"/>
-    <p:sldLayoutId id="2147483722" r:id="rId2"/>
-    <p:sldLayoutId id="2147483723" r:id="rId3"/>
-    <p:sldLayoutId id="2147483724" r:id="rId4"/>
-    <p:sldLayoutId id="2147483725" r:id="rId5"/>
-    <p:sldLayoutId id="2147483726" r:id="rId6"/>
-    <p:sldLayoutId id="2147483727" r:id="rId7"/>
-    <p:sldLayoutId id="2147483728" r:id="rId8"/>
-    <p:sldLayoutId id="2147483729" r:id="rId9"/>
-    <p:sldLayoutId id="2147483730" r:id="rId10"/>
-    <p:sldLayoutId id="2147483731" r:id="rId11"/>
+    <p:sldLayoutId id="2147483745" r:id="rId1"/>
+    <p:sldLayoutId id="2147483746" r:id="rId2"/>
+    <p:sldLayoutId id="2147483747" r:id="rId3"/>
+    <p:sldLayoutId id="2147483748" r:id="rId4"/>
+    <p:sldLayoutId id="2147483749" r:id="rId5"/>
+    <p:sldLayoutId id="2147483750" r:id="rId6"/>
+    <p:sldLayoutId id="2147483751" r:id="rId7"/>
+    <p:sldLayoutId id="2147483752" r:id="rId8"/>
+    <p:sldLayoutId id="2147483753" r:id="rId9"/>
+    <p:sldLayoutId id="2147483754" r:id="rId10"/>
+    <p:sldLayoutId id="2147483755" r:id="rId11"/>
   </p:sldLayoutIdLst>
   <p:txStyles>
     <p:titleStyle>
@@ -3427,47 +3427,319 @@
           <a:chExt cx="0" cy="0"/>
         </a:xfrm>
       </p:grpSpPr>
-      <p:pic>
-        <p:nvPicPr>
-          <p:cNvPr id="25" name="Picture 24">
+      <p:grpSp>
+        <p:nvGrpSpPr>
+          <p:cNvPr id="4" name="Group 3">
             <a:extLst>
               <a:ext uri="{FF2B5EF4-FFF2-40B4-BE49-F238E27FC236}">
-                <a16:creationId xmlns:a16="http://schemas.microsoft.com/office/drawing/2014/main" id="{9E0C3179-8F65-429F-9943-CE39E3AF0737}"/>
+                <a16:creationId xmlns:a16="http://schemas.microsoft.com/office/drawing/2014/main" id="{13A7B1F7-D7A2-49EA-B889-E2C8103CFE37}"/>
               </a:ext>
             </a:extLst>
           </p:cNvPr>
-          <p:cNvPicPr>
-            <a:picLocks noChangeAspect="1"/>
-          </p:cNvPicPr>
+          <p:cNvGrpSpPr/>
           <p:nvPr/>
-        </p:nvPicPr>
-        <p:blipFill>
-          <a:blip r:embed="rId3">
+        </p:nvGrpSpPr>
+        <p:grpSpPr>
+          <a:xfrm>
+            <a:off x="285760" y="1086090"/>
+            <a:ext cx="8730916" cy="7736487"/>
+            <a:chOff x="1873401" y="540005"/>
+            <a:chExt cx="8730916" cy="7736487"/>
+          </a:xfrm>
+        </p:grpSpPr>
+        <p:pic>
+          <p:nvPicPr>
+            <p:cNvPr id="25" name="Picture 24">
+              <a:extLst>
+                <a:ext uri="{FF2B5EF4-FFF2-40B4-BE49-F238E27FC236}">
+                  <a16:creationId xmlns:a16="http://schemas.microsoft.com/office/drawing/2014/main" id="{9E0C3179-8F65-429F-9943-CE39E3AF0737}"/>
+                </a:ext>
+              </a:extLst>
+            </p:cNvPr>
+            <p:cNvPicPr>
+              <a:picLocks noChangeAspect="1"/>
+            </p:cNvPicPr>
+            <p:nvPr/>
+          </p:nvPicPr>
+          <p:blipFill>
+            <a:blip r:embed="rId3">
+              <a:extLst>
+                <a:ext uri="{28A0092B-C50C-407E-A947-70E740481C1C}">
+                  <a14:useLocalDpi xmlns:a14="http://schemas.microsoft.com/office/drawing/2010/main" val="0"/>
+                </a:ext>
+              </a:extLst>
+            </a:blip>
+            <a:srcRect/>
+            <a:stretch/>
+          </p:blipFill>
+          <p:spPr>
+            <a:xfrm>
+              <a:off x="1873401" y="1820793"/>
+              <a:ext cx="8730916" cy="6455699"/>
+            </a:xfrm>
+            <a:prstGeom prst="rect">
+              <a:avLst/>
+            </a:prstGeom>
+          </p:spPr>
+        </p:pic>
+        <p:sp>
+          <p:nvSpPr>
+            <p:cNvPr id="26" name="TextBox 25">
+              <a:extLst>
+                <a:ext uri="{FF2B5EF4-FFF2-40B4-BE49-F238E27FC236}">
+                  <a16:creationId xmlns:a16="http://schemas.microsoft.com/office/drawing/2014/main" id="{5C21AB4E-FB42-40F6-BB54-9DC9BA4E1320}"/>
+                </a:ext>
+              </a:extLst>
+            </p:cNvPr>
+            <p:cNvSpPr txBox="1"/>
+            <p:nvPr/>
+          </p:nvSpPr>
+          <p:spPr>
+            <a:xfrm>
+              <a:off x="4710301" y="540005"/>
+              <a:ext cx="3057119" cy="646331"/>
+            </a:xfrm>
+            <a:prstGeom prst="rect">
+              <a:avLst/>
+            </a:prstGeom>
+            <a:noFill/>
+          </p:spPr>
+          <p:txBody>
+            <a:bodyPr wrap="none" rtlCol="0">
+              <a:spAutoFit/>
+            </a:bodyPr>
+            <a:lstStyle/>
+            <a:p>
+              <a:pPr algn="ctr"/>
+              <a:r>
+                <a:rPr lang="en-US" altLang="zh-CN" sz="3600" dirty="0">
+                  <a:solidFill>
+                    <a:srgbClr val="57868C"/>
+                  </a:solidFill>
+                </a:rPr>
+                <a:t>Healthy control</a:t>
+              </a:r>
+              <a:endParaRPr lang="zh-CN" altLang="en-US" sz="3600" dirty="0">
+                <a:solidFill>
+                  <a:srgbClr val="57868C"/>
+                </a:solidFill>
+              </a:endParaRPr>
+            </a:p>
+          </p:txBody>
+        </p:sp>
+      </p:grpSp>
+      <p:grpSp>
+        <p:nvGrpSpPr>
+          <p:cNvPr id="3" name="Group 2">
             <a:extLst>
-              <a:ext uri="{28A0092B-C50C-407E-A947-70E740481C1C}">
-                <a14:useLocalDpi xmlns:a14="http://schemas.microsoft.com/office/drawing/2010/main" val="0"/>
+              <a:ext uri="{FF2B5EF4-FFF2-40B4-BE49-F238E27FC236}">
+                <a16:creationId xmlns:a16="http://schemas.microsoft.com/office/drawing/2014/main" id="{0A77B318-A4F0-45AB-9AB4-B7FD69DCD1B0}"/>
               </a:ext>
             </a:extLst>
-          </a:blip>
-          <a:srcRect/>
-          <a:stretch/>
-        </p:blipFill>
-        <p:spPr>
+          </p:cNvPr>
+          <p:cNvGrpSpPr/>
+          <p:nvPr/>
+        </p:nvGrpSpPr>
+        <p:grpSpPr>
           <a:xfrm>
-            <a:off x="461335" y="1820793"/>
-            <a:ext cx="11555048" cy="6455699"/>
+            <a:off x="9397909" y="1086090"/>
+            <a:ext cx="7817042" cy="8080265"/>
+            <a:chOff x="13865474" y="540005"/>
+            <a:chExt cx="7817042" cy="8080265"/>
           </a:xfrm>
-          <a:prstGeom prst="rect">
-            <a:avLst/>
-          </a:prstGeom>
-        </p:spPr>
-      </p:pic>
-      <p:sp>
-        <p:nvSpPr>
-          <p:cNvPr id="26" name="TextBox 25">
+        </p:grpSpPr>
+        <p:pic>
+          <p:nvPicPr>
+            <p:cNvPr id="27" name="Picture 26">
+              <a:extLst>
+                <a:ext uri="{FF2B5EF4-FFF2-40B4-BE49-F238E27FC236}">
+                  <a16:creationId xmlns:a16="http://schemas.microsoft.com/office/drawing/2014/main" id="{A6071795-E5DE-48B3-A7C4-60E8EC0BFAA5}"/>
+                </a:ext>
+              </a:extLst>
+            </p:cNvPr>
+            <p:cNvPicPr>
+              <a:picLocks noChangeAspect="1"/>
+            </p:cNvPicPr>
+            <p:nvPr/>
+          </p:nvPicPr>
+          <p:blipFill>
+            <a:blip r:embed="rId4">
+              <a:extLst>
+                <a:ext uri="{28A0092B-C50C-407E-A947-70E740481C1C}">
+                  <a14:useLocalDpi xmlns:a14="http://schemas.microsoft.com/office/drawing/2010/main" val="0"/>
+                </a:ext>
+              </a:extLst>
+            </a:blip>
+            <a:srcRect/>
+            <a:stretch/>
+          </p:blipFill>
+          <p:spPr>
+            <a:xfrm>
+              <a:off x="13865474" y="1186336"/>
+              <a:ext cx="7817042" cy="7433934"/>
+            </a:xfrm>
+            <a:prstGeom prst="rect">
+              <a:avLst/>
+            </a:prstGeom>
+          </p:spPr>
+        </p:pic>
+        <p:sp>
+          <p:nvSpPr>
+            <p:cNvPr id="28" name="TextBox 27">
+              <a:extLst>
+                <a:ext uri="{FF2B5EF4-FFF2-40B4-BE49-F238E27FC236}">
+                  <a16:creationId xmlns:a16="http://schemas.microsoft.com/office/drawing/2014/main" id="{7739EBF4-00D5-4FF3-8E06-96006FF02BF5}"/>
+                </a:ext>
+              </a:extLst>
+            </p:cNvPr>
+            <p:cNvSpPr txBox="1"/>
+            <p:nvPr/>
+          </p:nvSpPr>
+          <p:spPr>
+            <a:xfrm>
+              <a:off x="16774363" y="540005"/>
+              <a:ext cx="1999266" cy="646331"/>
+            </a:xfrm>
+            <a:prstGeom prst="rect">
+              <a:avLst/>
+            </a:prstGeom>
+            <a:noFill/>
+          </p:spPr>
+          <p:txBody>
+            <a:bodyPr wrap="none" rtlCol="0">
+              <a:spAutoFit/>
+            </a:bodyPr>
+            <a:lstStyle/>
+            <a:p>
+              <a:pPr algn="ctr"/>
+              <a:r>
+                <a:rPr lang="en-US" altLang="zh-CN" sz="3600" dirty="0">
+                  <a:solidFill>
+                    <a:schemeClr val="accent5">
+                      <a:lumMod val="50000"/>
+                    </a:schemeClr>
+                  </a:solidFill>
+                </a:rPr>
+                <a:t>Adenoma</a:t>
+              </a:r>
+              <a:endParaRPr lang="zh-CN" altLang="en-US" sz="3600" dirty="0">
+                <a:solidFill>
+                  <a:schemeClr val="accent5">
+                    <a:lumMod val="50000"/>
+                  </a:schemeClr>
+                </a:solidFill>
+              </a:endParaRPr>
+            </a:p>
+          </p:txBody>
+        </p:sp>
+      </p:grpSp>
+      <p:grpSp>
+        <p:nvGrpSpPr>
+          <p:cNvPr id="2" name="Group 1">
             <a:extLst>
               <a:ext uri="{FF2B5EF4-FFF2-40B4-BE49-F238E27FC236}">
-                <a16:creationId xmlns:a16="http://schemas.microsoft.com/office/drawing/2014/main" id="{5C21AB4E-FB42-40F6-BB54-9DC9BA4E1320}"/>
+                <a16:creationId xmlns:a16="http://schemas.microsoft.com/office/drawing/2014/main" id="{8F086112-36E5-4336-9A09-CD5C8D68E78C}"/>
+              </a:ext>
+            </a:extLst>
+          </p:cNvPr>
+          <p:cNvGrpSpPr/>
+          <p:nvPr/>
+        </p:nvGrpSpPr>
+        <p:grpSpPr>
+          <a:xfrm>
+            <a:off x="17307246" y="799462"/>
+            <a:ext cx="9243297" cy="8453420"/>
+            <a:chOff x="23864611" y="540005"/>
+            <a:chExt cx="9243297" cy="8453420"/>
+          </a:xfrm>
+        </p:grpSpPr>
+        <p:pic>
+          <p:nvPicPr>
+            <p:cNvPr id="29" name="Picture 28">
+              <a:extLst>
+                <a:ext uri="{FF2B5EF4-FFF2-40B4-BE49-F238E27FC236}">
+                  <a16:creationId xmlns:a16="http://schemas.microsoft.com/office/drawing/2014/main" id="{377302FF-7568-4A7E-9C5F-484FE60C43AD}"/>
+                </a:ext>
+              </a:extLst>
+            </p:cNvPr>
+            <p:cNvPicPr>
+              <a:picLocks noChangeAspect="1"/>
+            </p:cNvPicPr>
+            <p:nvPr/>
+          </p:nvPicPr>
+          <p:blipFill>
+            <a:blip r:embed="rId5">
+              <a:extLst>
+                <a:ext uri="{28A0092B-C50C-407E-A947-70E740481C1C}">
+                  <a14:useLocalDpi xmlns:a14="http://schemas.microsoft.com/office/drawing/2010/main" val="0"/>
+                </a:ext>
+              </a:extLst>
+            </a:blip>
+            <a:srcRect/>
+            <a:stretch/>
+          </p:blipFill>
+          <p:spPr>
+            <a:xfrm>
+              <a:off x="23864611" y="1266672"/>
+              <a:ext cx="9243297" cy="7726753"/>
+            </a:xfrm>
+            <a:prstGeom prst="rect">
+              <a:avLst/>
+            </a:prstGeom>
+          </p:spPr>
+        </p:pic>
+        <p:sp>
+          <p:nvSpPr>
+            <p:cNvPr id="30" name="TextBox 29">
+              <a:extLst>
+                <a:ext uri="{FF2B5EF4-FFF2-40B4-BE49-F238E27FC236}">
+                  <a16:creationId xmlns:a16="http://schemas.microsoft.com/office/drawing/2014/main" id="{7A6D93CB-A368-48EF-9E6B-ECB48720377E}"/>
+                </a:ext>
+              </a:extLst>
+            </p:cNvPr>
+            <p:cNvSpPr txBox="1"/>
+            <p:nvPr/>
+          </p:nvSpPr>
+          <p:spPr>
+            <a:xfrm>
+              <a:off x="27422636" y="540005"/>
+              <a:ext cx="2127250" cy="646331"/>
+            </a:xfrm>
+            <a:prstGeom prst="rect">
+              <a:avLst/>
+            </a:prstGeom>
+            <a:noFill/>
+          </p:spPr>
+          <p:txBody>
+            <a:bodyPr wrap="none" rtlCol="0">
+              <a:spAutoFit/>
+            </a:bodyPr>
+            <a:lstStyle/>
+            <a:p>
+              <a:pPr algn="ctr"/>
+              <a:r>
+                <a:rPr lang="en-US" altLang="zh-CN" sz="3600" dirty="0">
+                  <a:solidFill>
+                    <a:srgbClr val="C00000"/>
+                  </a:solidFill>
+                </a:rPr>
+                <a:t>CRC group</a:t>
+              </a:r>
+              <a:endParaRPr lang="zh-CN" altLang="en-US" sz="3600" dirty="0">
+                <a:solidFill>
+                  <a:srgbClr val="C00000"/>
+                </a:solidFill>
+              </a:endParaRPr>
+            </a:p>
+          </p:txBody>
+        </p:sp>
+      </p:grpSp>
+      <p:sp>
+        <p:nvSpPr>
+          <p:cNvPr id="9" name="TextBox 8">
+            <a:extLst>
+              <a:ext uri="{FF2B5EF4-FFF2-40B4-BE49-F238E27FC236}">
+                <a16:creationId xmlns:a16="http://schemas.microsoft.com/office/drawing/2014/main" id="{89A551A9-2AE4-4123-8BB4-92C316A1DEF7}"/>
               </a:ext>
             </a:extLst>
           </p:cNvPr>
@@ -3476,8 +3748,8 @@
         </p:nvSpPr>
         <p:spPr>
           <a:xfrm>
-            <a:off x="4494748" y="540005"/>
-            <a:ext cx="3057119" cy="646331"/>
+            <a:off x="971560" y="10630954"/>
+            <a:ext cx="26041340" cy="1384995"/>
           </a:xfrm>
           <a:prstGeom prst="rect">
             <a:avLst/>
@@ -3485,228 +3757,1098 @@
           <a:noFill/>
         </p:spPr>
         <p:txBody>
-          <a:bodyPr wrap="none" rtlCol="0">
-            <a:spAutoFit/>
-          </a:bodyPr>
-          <a:lstStyle/>
-          <a:p>
-            <a:pPr algn="ctr"/>
-            <a:r>
-              <a:rPr lang="en-US" altLang="zh-CN" sz="3600" dirty="0">
-                <a:solidFill>
-                  <a:srgbClr val="57868C"/>
-                </a:solidFill>
-              </a:rPr>
-              <a:t>Healthy control</a:t>
-            </a:r>
-            <a:endParaRPr lang="zh-CN" altLang="en-US" sz="3600" dirty="0">
-              <a:solidFill>
-                <a:srgbClr val="57868C"/>
-              </a:solidFill>
-            </a:endParaRPr>
-          </a:p>
-        </p:txBody>
-      </p:sp>
-      <p:pic>
-        <p:nvPicPr>
-          <p:cNvPr id="27" name="Picture 26">
-            <a:extLst>
-              <a:ext uri="{FF2B5EF4-FFF2-40B4-BE49-F238E27FC236}">
-                <a16:creationId xmlns:a16="http://schemas.microsoft.com/office/drawing/2014/main" id="{A6071795-E5DE-48B3-A7C4-60E8EC0BFAA5}"/>
-              </a:ext>
-            </a:extLst>
-          </p:cNvPr>
-          <p:cNvPicPr>
-            <a:picLocks noChangeAspect="1"/>
-          </p:cNvPicPr>
-          <p:nvPr/>
-        </p:nvPicPr>
-        <p:blipFill>
-          <a:blip r:embed="rId4">
-            <a:extLst>
-              <a:ext uri="{28A0092B-C50C-407E-A947-70E740481C1C}">
-                <a14:useLocalDpi xmlns:a14="http://schemas.microsoft.com/office/drawing/2010/main" val="0"/>
-              </a:ext>
-            </a:extLst>
-          </a:blip>
-          <a:srcRect/>
-          <a:stretch/>
-        </p:blipFill>
-        <p:spPr>
-          <a:xfrm>
-            <a:off x="11948904" y="1616502"/>
-            <a:ext cx="11109849" cy="7433934"/>
-          </a:xfrm>
-          <a:prstGeom prst="rect">
-            <a:avLst/>
-          </a:prstGeom>
-        </p:spPr>
-      </p:pic>
-      <p:sp>
-        <p:nvSpPr>
-          <p:cNvPr id="28" name="TextBox 27">
-            <a:extLst>
-              <a:ext uri="{FF2B5EF4-FFF2-40B4-BE49-F238E27FC236}">
-                <a16:creationId xmlns:a16="http://schemas.microsoft.com/office/drawing/2014/main" id="{7739EBF4-00D5-4FF3-8E06-96006FF02BF5}"/>
-              </a:ext>
-            </a:extLst>
-          </p:cNvPr>
-          <p:cNvSpPr txBox="1"/>
-          <p:nvPr/>
-        </p:nvSpPr>
-        <p:spPr>
-          <a:xfrm>
-            <a:off x="16979875" y="540005"/>
-            <a:ext cx="1999265" cy="646331"/>
-          </a:xfrm>
-          <a:prstGeom prst="rect">
-            <a:avLst/>
-          </a:prstGeom>
-          <a:noFill/>
-        </p:spPr>
-        <p:txBody>
-          <a:bodyPr wrap="none" rtlCol="0">
-            <a:spAutoFit/>
-          </a:bodyPr>
-          <a:lstStyle/>
-          <a:p>
-            <a:pPr algn="ctr"/>
-            <a:r>
-              <a:rPr lang="en-US" altLang="zh-CN" sz="3600" dirty="0">
-                <a:solidFill>
-                  <a:schemeClr val="accent5">
-                    <a:lumMod val="50000"/>
-                  </a:schemeClr>
-                </a:solidFill>
-              </a:rPr>
-              <a:t>Adenoma</a:t>
-            </a:r>
-            <a:endParaRPr lang="zh-CN" altLang="en-US" sz="3600" dirty="0">
-              <a:solidFill>
-                <a:schemeClr val="accent5">
-                  <a:lumMod val="50000"/>
-                </a:schemeClr>
-              </a:solidFill>
-            </a:endParaRPr>
-          </a:p>
-        </p:txBody>
-      </p:sp>
-      <p:pic>
-        <p:nvPicPr>
-          <p:cNvPr id="29" name="Picture 28">
-            <a:extLst>
-              <a:ext uri="{FF2B5EF4-FFF2-40B4-BE49-F238E27FC236}">
-                <a16:creationId xmlns:a16="http://schemas.microsoft.com/office/drawing/2014/main" id="{377302FF-7568-4A7E-9C5F-484FE60C43AD}"/>
-              </a:ext>
-            </a:extLst>
-          </p:cNvPr>
-          <p:cNvPicPr>
-            <a:picLocks noChangeAspect="1"/>
-          </p:cNvPicPr>
-          <p:nvPr/>
-        </p:nvPicPr>
-        <p:blipFill>
-          <a:blip r:embed="rId5">
-            <a:extLst>
-              <a:ext uri="{28A0092B-C50C-407E-A947-70E740481C1C}">
-                <a14:useLocalDpi xmlns:a14="http://schemas.microsoft.com/office/drawing/2010/main" val="0"/>
-              </a:ext>
-            </a:extLst>
-          </a:blip>
-          <a:srcRect/>
-          <a:stretch/>
-        </p:blipFill>
-        <p:spPr>
-          <a:xfrm>
-            <a:off x="23328920" y="1323683"/>
-            <a:ext cx="10314680" cy="7726753"/>
-          </a:xfrm>
-          <a:prstGeom prst="rect">
-            <a:avLst/>
-          </a:prstGeom>
-        </p:spPr>
-      </p:pic>
-      <p:sp>
-        <p:nvSpPr>
-          <p:cNvPr id="30" name="TextBox 29">
-            <a:extLst>
-              <a:ext uri="{FF2B5EF4-FFF2-40B4-BE49-F238E27FC236}">
-                <a16:creationId xmlns:a16="http://schemas.microsoft.com/office/drawing/2014/main" id="{7A6D93CB-A368-48EF-9E6B-ECB48720377E}"/>
-              </a:ext>
-            </a:extLst>
-          </p:cNvPr>
-          <p:cNvSpPr txBox="1"/>
-          <p:nvPr/>
-        </p:nvSpPr>
-        <p:spPr>
-          <a:xfrm>
-            <a:off x="27772702" y="540005"/>
-            <a:ext cx="2127250" cy="646331"/>
-          </a:xfrm>
-          <a:prstGeom prst="rect">
-            <a:avLst/>
-          </a:prstGeom>
-          <a:noFill/>
-        </p:spPr>
-        <p:txBody>
-          <a:bodyPr wrap="none" rtlCol="0">
-            <a:spAutoFit/>
-          </a:bodyPr>
-          <a:lstStyle/>
-          <a:p>
-            <a:pPr algn="ctr"/>
-            <a:r>
-              <a:rPr lang="en-US" altLang="zh-CN" sz="3600" dirty="0">
-                <a:solidFill>
-                  <a:srgbClr val="C00000"/>
-                </a:solidFill>
-              </a:rPr>
-              <a:t>CRC group</a:t>
-            </a:r>
-            <a:endParaRPr lang="zh-CN" altLang="en-US" sz="3600" dirty="0">
-              <a:solidFill>
-                <a:srgbClr val="C00000"/>
-              </a:solidFill>
-            </a:endParaRPr>
-          </a:p>
-        </p:txBody>
-      </p:sp>
-      <p:sp>
-        <p:nvSpPr>
-          <p:cNvPr id="31" name="TextBox 30">
-            <a:extLst>
-              <a:ext uri="{FF2B5EF4-FFF2-40B4-BE49-F238E27FC236}">
-                <a16:creationId xmlns:a16="http://schemas.microsoft.com/office/drawing/2014/main" id="{896A76DF-36B0-4236-AEE7-D0342D153FF7}"/>
-              </a:ext>
-            </a:extLst>
-          </p:cNvPr>
-          <p:cNvSpPr txBox="1"/>
-          <p:nvPr/>
-        </p:nvSpPr>
-        <p:spPr>
-          <a:xfrm>
-            <a:off x="428419" y="9482350"/>
-            <a:ext cx="2455457" cy="523220"/>
-          </a:xfrm>
-          <a:prstGeom prst="rect">
-            <a:avLst/>
-          </a:prstGeom>
-          <a:noFill/>
-        </p:spPr>
-        <p:txBody>
           <a:bodyPr wrap="square" rtlCol="0">
             <a:spAutoFit/>
           </a:bodyPr>
           <a:lstStyle/>
           <a:p>
             <a:r>
-              <a:rPr lang="en-US" sz="2800" b="1" dirty="0"/>
-              <a:t>S figure 5</a:t>
-            </a:r>
-            <a:endParaRPr lang="en-HK" sz="2800" b="1" dirty="0"/>
-          </a:p>
-        </p:txBody>
-      </p:sp>
+              <a:rPr lang="en-US" sz="2800" b="1" dirty="0">
+                <a:latin typeface="Calibri" panose="020F0502020204030204" pitchFamily="34" charset="0"/>
+                <a:cs typeface="Calibri" panose="020F0502020204030204" pitchFamily="34" charset="0"/>
+              </a:rPr>
+              <a:t>S figure 5 </a:t>
+            </a:r>
+            <a:r>
+              <a:rPr lang="en-US" sz="2800" dirty="0">
+                <a:latin typeface="Calibri" panose="020F0502020204030204" pitchFamily="34" charset="0"/>
+                <a:cs typeface="Calibri" panose="020F0502020204030204" pitchFamily="34" charset="0"/>
+              </a:rPr>
+              <a:t>Correlation networks of colorectal cancer associated fungi</a:t>
+            </a:r>
+            <a:r>
+              <a:rPr lang="en-US" altLang="zh-CN" sz="2800" dirty="0">
+                <a:latin typeface="Calibri" panose="020F0502020204030204" pitchFamily="34" charset="0"/>
+                <a:cs typeface="Calibri" panose="020F0502020204030204" pitchFamily="34" charset="0"/>
+              </a:rPr>
+              <a:t>-bacteria</a:t>
+            </a:r>
+            <a:r>
+              <a:rPr lang="en-US" sz="2800" dirty="0">
+                <a:latin typeface="Calibri" panose="020F0502020204030204" pitchFamily="34" charset="0"/>
+                <a:cs typeface="Calibri" panose="020F0502020204030204" pitchFamily="34" charset="0"/>
+              </a:rPr>
+              <a:t> with disease progression. Correlation strengths were estimated by DCGA algorithm. For visualization, significant relationships with a p-value less than 0.05 were kept. Distinct phyla were represented by different colored nodes. The blue and red edges, respectively, represented positive and negative correlations. The correlation strength was indicated by the width of the edge. </a:t>
+            </a:r>
+            <a:endParaRPr lang="en-HK" sz="2800" b="1" dirty="0">
+              <a:latin typeface="Calibri" panose="020F0502020204030204" pitchFamily="34" charset="0"/>
+              <a:cs typeface="Calibri" panose="020F0502020204030204" pitchFamily="34" charset="0"/>
+            </a:endParaRPr>
+          </a:p>
+        </p:txBody>
+      </p:sp>
+      <p:grpSp>
+        <p:nvGrpSpPr>
+          <p:cNvPr id="13" name="Group 12">
+            <a:extLst>
+              <a:ext uri="{FF2B5EF4-FFF2-40B4-BE49-F238E27FC236}">
+                <a16:creationId xmlns:a16="http://schemas.microsoft.com/office/drawing/2014/main" id="{1FE5E7DA-CE36-4F4A-81B8-5BBEC667C073}"/>
+              </a:ext>
+            </a:extLst>
+          </p:cNvPr>
+          <p:cNvGrpSpPr/>
+          <p:nvPr/>
+        </p:nvGrpSpPr>
+        <p:grpSpPr>
+          <a:xfrm>
+            <a:off x="19582855" y="9309377"/>
+            <a:ext cx="6744245" cy="1265085"/>
+            <a:chOff x="14251113" y="8235009"/>
+            <a:chExt cx="6744245" cy="1265085"/>
+          </a:xfrm>
+        </p:grpSpPr>
+        <p:grpSp>
+          <p:nvGrpSpPr>
+            <p:cNvPr id="14" name="Group 13">
+              <a:extLst>
+                <a:ext uri="{FF2B5EF4-FFF2-40B4-BE49-F238E27FC236}">
+                  <a16:creationId xmlns:a16="http://schemas.microsoft.com/office/drawing/2014/main" id="{ED9F2205-EF29-42FB-A2DC-E6FBD0C957E7}"/>
+                </a:ext>
+              </a:extLst>
+            </p:cNvPr>
+            <p:cNvGrpSpPr/>
+            <p:nvPr/>
+          </p:nvGrpSpPr>
+          <p:grpSpPr>
+            <a:xfrm>
+              <a:off x="19035532" y="8235009"/>
+              <a:ext cx="1959826" cy="966504"/>
+              <a:chOff x="19035532" y="8261595"/>
+              <a:chExt cx="1959826" cy="966504"/>
+            </a:xfrm>
+          </p:grpSpPr>
+          <p:sp>
+            <p:nvSpPr>
+              <p:cNvPr id="40" name="Oval 39">
+                <a:extLst>
+                  <a:ext uri="{FF2B5EF4-FFF2-40B4-BE49-F238E27FC236}">
+                    <a16:creationId xmlns:a16="http://schemas.microsoft.com/office/drawing/2014/main" id="{27B3920B-0A54-44CE-BAD6-71750FEBC6D7}"/>
+                  </a:ext>
+                </a:extLst>
+              </p:cNvPr>
+              <p:cNvSpPr/>
+              <p:nvPr/>
+            </p:nvSpPr>
+            <p:spPr>
+              <a:xfrm>
+                <a:off x="19035532" y="8308038"/>
+                <a:ext cx="276447" cy="276447"/>
+              </a:xfrm>
+              <a:prstGeom prst="ellipse">
+                <a:avLst/>
+              </a:prstGeom>
+              <a:solidFill>
+                <a:srgbClr val="006666"/>
+              </a:solidFill>
+              <a:ln>
+                <a:noFill/>
+              </a:ln>
+            </p:spPr>
+            <p:style>
+              <a:lnRef idx="2">
+                <a:schemeClr val="accent1">
+                  <a:shade val="50000"/>
+                </a:schemeClr>
+              </a:lnRef>
+              <a:fillRef idx="1">
+                <a:schemeClr val="accent1"/>
+              </a:fillRef>
+              <a:effectRef idx="0">
+                <a:schemeClr val="accent1"/>
+              </a:effectRef>
+              <a:fontRef idx="minor">
+                <a:schemeClr val="lt1"/>
+              </a:fontRef>
+            </p:style>
+            <p:txBody>
+              <a:bodyPr rtlCol="0" anchor="ctr"/>
+              <a:lstStyle/>
+              <a:p>
+                <a:pPr algn="ctr"/>
+                <a:endParaRPr lang="zh-CN" altLang="en-US" i="1" dirty="0"/>
+              </a:p>
+            </p:txBody>
+          </p:sp>
+          <p:sp>
+            <p:nvSpPr>
+              <p:cNvPr id="41" name="TextBox 40">
+                <a:extLst>
+                  <a:ext uri="{FF2B5EF4-FFF2-40B4-BE49-F238E27FC236}">
+                    <a16:creationId xmlns:a16="http://schemas.microsoft.com/office/drawing/2014/main" id="{33B9D5D5-59CE-430E-8D46-EC701087D5BA}"/>
+                  </a:ext>
+                </a:extLst>
+              </p:cNvPr>
+              <p:cNvSpPr txBox="1"/>
+              <p:nvPr/>
+            </p:nvSpPr>
+            <p:spPr>
+              <a:xfrm>
+                <a:off x="19418388" y="8261595"/>
+                <a:ext cx="1576970" cy="369332"/>
+              </a:xfrm>
+              <a:prstGeom prst="rect">
+                <a:avLst/>
+              </a:prstGeom>
+              <a:noFill/>
+            </p:spPr>
+            <p:txBody>
+              <a:bodyPr wrap="none" rtlCol="0">
+                <a:spAutoFit/>
+              </a:bodyPr>
+              <a:lstStyle/>
+              <a:p>
+                <a:r>
+                  <a:rPr lang="en-US" altLang="zh-CN" dirty="0"/>
+                  <a:t>Proteobacteria</a:t>
+                </a:r>
+                <a:endParaRPr lang="zh-CN" altLang="en-US" dirty="0"/>
+              </a:p>
+            </p:txBody>
+          </p:sp>
+          <p:sp>
+            <p:nvSpPr>
+              <p:cNvPr id="42" name="Oval 41">
+                <a:extLst>
+                  <a:ext uri="{FF2B5EF4-FFF2-40B4-BE49-F238E27FC236}">
+                    <a16:creationId xmlns:a16="http://schemas.microsoft.com/office/drawing/2014/main" id="{C36E0E03-4305-4B40-8621-205A6E01AE12}"/>
+                  </a:ext>
+                </a:extLst>
+              </p:cNvPr>
+              <p:cNvSpPr/>
+              <p:nvPr/>
+            </p:nvSpPr>
+            <p:spPr>
+              <a:xfrm>
+                <a:off x="19035532" y="8905210"/>
+                <a:ext cx="276447" cy="276447"/>
+              </a:xfrm>
+              <a:prstGeom prst="ellipse">
+                <a:avLst/>
+              </a:prstGeom>
+              <a:solidFill>
+                <a:srgbClr val="CCCCCC"/>
+              </a:solidFill>
+              <a:ln>
+                <a:noFill/>
+              </a:ln>
+            </p:spPr>
+            <p:style>
+              <a:lnRef idx="2">
+                <a:schemeClr val="accent1">
+                  <a:shade val="50000"/>
+                </a:schemeClr>
+              </a:lnRef>
+              <a:fillRef idx="1">
+                <a:schemeClr val="accent1"/>
+              </a:fillRef>
+              <a:effectRef idx="0">
+                <a:schemeClr val="accent1"/>
+              </a:effectRef>
+              <a:fontRef idx="minor">
+                <a:schemeClr val="lt1"/>
+              </a:fontRef>
+            </p:style>
+            <p:txBody>
+              <a:bodyPr rtlCol="0" anchor="ctr"/>
+              <a:lstStyle/>
+              <a:p>
+                <a:pPr algn="ctr"/>
+                <a:endParaRPr lang="zh-CN" altLang="en-US" i="1" dirty="0"/>
+              </a:p>
+            </p:txBody>
+          </p:sp>
+          <p:sp>
+            <p:nvSpPr>
+              <p:cNvPr id="43" name="TextBox 42">
+                <a:extLst>
+                  <a:ext uri="{FF2B5EF4-FFF2-40B4-BE49-F238E27FC236}">
+                    <a16:creationId xmlns:a16="http://schemas.microsoft.com/office/drawing/2014/main" id="{F7D3EA76-7DD4-478D-ADE1-512CB444AFDB}"/>
+                  </a:ext>
+                </a:extLst>
+              </p:cNvPr>
+              <p:cNvSpPr txBox="1"/>
+              <p:nvPr/>
+            </p:nvSpPr>
+            <p:spPr>
+              <a:xfrm>
+                <a:off x="19418388" y="8858767"/>
+                <a:ext cx="1087862" cy="369332"/>
+              </a:xfrm>
+              <a:prstGeom prst="rect">
+                <a:avLst/>
+              </a:prstGeom>
+              <a:noFill/>
+            </p:spPr>
+            <p:txBody>
+              <a:bodyPr wrap="none" rtlCol="0">
+                <a:spAutoFit/>
+              </a:bodyPr>
+              <a:lstStyle/>
+              <a:p>
+                <a:r>
+                  <a:rPr lang="en-US" altLang="zh-CN" dirty="0"/>
+                  <a:t>Unknown</a:t>
+                </a:r>
+                <a:endParaRPr lang="zh-CN" altLang="en-US" dirty="0"/>
+              </a:p>
+            </p:txBody>
+          </p:sp>
+          <p:sp>
+            <p:nvSpPr>
+              <p:cNvPr id="44" name="Oval 43">
+                <a:extLst>
+                  <a:ext uri="{FF2B5EF4-FFF2-40B4-BE49-F238E27FC236}">
+                    <a16:creationId xmlns:a16="http://schemas.microsoft.com/office/drawing/2014/main" id="{6CCE49D8-062E-4A6F-9BA0-2BFE7EA0CEE8}"/>
+                  </a:ext>
+                </a:extLst>
+              </p:cNvPr>
+              <p:cNvSpPr/>
+              <p:nvPr/>
+            </p:nvSpPr>
+            <p:spPr>
+              <a:xfrm>
+                <a:off x="19035532" y="8606619"/>
+                <a:ext cx="276447" cy="276447"/>
+              </a:xfrm>
+              <a:prstGeom prst="ellipse">
+                <a:avLst/>
+              </a:prstGeom>
+              <a:solidFill>
+                <a:srgbClr val="660066"/>
+              </a:solidFill>
+              <a:ln>
+                <a:noFill/>
+              </a:ln>
+            </p:spPr>
+            <p:style>
+              <a:lnRef idx="2">
+                <a:schemeClr val="accent1">
+                  <a:shade val="50000"/>
+                </a:schemeClr>
+              </a:lnRef>
+              <a:fillRef idx="1">
+                <a:schemeClr val="accent1"/>
+              </a:fillRef>
+              <a:effectRef idx="0">
+                <a:schemeClr val="accent1"/>
+              </a:effectRef>
+              <a:fontRef idx="minor">
+                <a:schemeClr val="lt1"/>
+              </a:fontRef>
+            </p:style>
+            <p:txBody>
+              <a:bodyPr rtlCol="0" anchor="ctr"/>
+              <a:lstStyle/>
+              <a:p>
+                <a:pPr algn="ctr"/>
+                <a:endParaRPr lang="zh-CN" altLang="en-US" i="1" dirty="0"/>
+              </a:p>
+            </p:txBody>
+          </p:sp>
+          <p:sp>
+            <p:nvSpPr>
+              <p:cNvPr id="45" name="TextBox 44">
+                <a:extLst>
+                  <a:ext uri="{FF2B5EF4-FFF2-40B4-BE49-F238E27FC236}">
+                    <a16:creationId xmlns:a16="http://schemas.microsoft.com/office/drawing/2014/main" id="{4601B31C-2D24-44B9-B57C-969CEE0344A4}"/>
+                  </a:ext>
+                </a:extLst>
+              </p:cNvPr>
+              <p:cNvSpPr txBox="1"/>
+              <p:nvPr/>
+            </p:nvSpPr>
+            <p:spPr>
+              <a:xfrm>
+                <a:off x="19418388" y="8560176"/>
+                <a:ext cx="1387496" cy="369332"/>
+              </a:xfrm>
+              <a:prstGeom prst="rect">
+                <a:avLst/>
+              </a:prstGeom>
+              <a:noFill/>
+            </p:spPr>
+            <p:txBody>
+              <a:bodyPr wrap="none" rtlCol="0">
+                <a:spAutoFit/>
+              </a:bodyPr>
+              <a:lstStyle/>
+              <a:p>
+                <a:r>
+                  <a:rPr lang="en-US" altLang="zh-CN" dirty="0"/>
+                  <a:t>Spirochaetes</a:t>
+                </a:r>
+                <a:endParaRPr lang="zh-CN" altLang="en-US" dirty="0"/>
+              </a:p>
+            </p:txBody>
+          </p:sp>
+        </p:grpSp>
+        <p:grpSp>
+          <p:nvGrpSpPr>
+            <p:cNvPr id="15" name="Group 14">
+              <a:extLst>
+                <a:ext uri="{FF2B5EF4-FFF2-40B4-BE49-F238E27FC236}">
+                  <a16:creationId xmlns:a16="http://schemas.microsoft.com/office/drawing/2014/main" id="{0AB66D50-C72E-43D3-A728-D6FE8A4CCFEB}"/>
+                </a:ext>
+              </a:extLst>
+            </p:cNvPr>
+            <p:cNvGrpSpPr/>
+            <p:nvPr/>
+          </p:nvGrpSpPr>
+          <p:grpSpPr>
+            <a:xfrm>
+              <a:off x="14251113" y="8235009"/>
+              <a:ext cx="1935589" cy="1265084"/>
+              <a:chOff x="14251113" y="8235009"/>
+              <a:chExt cx="1935589" cy="1265084"/>
+            </a:xfrm>
+          </p:grpSpPr>
+          <p:sp>
+            <p:nvSpPr>
+              <p:cNvPr id="32" name="Oval 31">
+                <a:extLst>
+                  <a:ext uri="{FF2B5EF4-FFF2-40B4-BE49-F238E27FC236}">
+                    <a16:creationId xmlns:a16="http://schemas.microsoft.com/office/drawing/2014/main" id="{A4C6BA7B-93AB-4185-B041-08FCDE2DA415}"/>
+                  </a:ext>
+                </a:extLst>
+              </p:cNvPr>
+              <p:cNvSpPr/>
+              <p:nvPr/>
+            </p:nvSpPr>
+            <p:spPr>
+              <a:xfrm>
+                <a:off x="14251113" y="8281452"/>
+                <a:ext cx="276447" cy="276447"/>
+              </a:xfrm>
+              <a:prstGeom prst="ellipse">
+                <a:avLst/>
+              </a:prstGeom>
+              <a:solidFill>
+                <a:srgbClr val="00CCCC"/>
+              </a:solidFill>
+              <a:ln>
+                <a:noFill/>
+              </a:ln>
+            </p:spPr>
+            <p:style>
+              <a:lnRef idx="2">
+                <a:schemeClr val="accent1">
+                  <a:shade val="50000"/>
+                </a:schemeClr>
+              </a:lnRef>
+              <a:fillRef idx="1">
+                <a:schemeClr val="accent1"/>
+              </a:fillRef>
+              <a:effectRef idx="0">
+                <a:schemeClr val="accent1"/>
+              </a:effectRef>
+              <a:fontRef idx="minor">
+                <a:schemeClr val="lt1"/>
+              </a:fontRef>
+            </p:style>
+            <p:txBody>
+              <a:bodyPr rtlCol="0" anchor="ctr"/>
+              <a:lstStyle/>
+              <a:p>
+                <a:pPr algn="ctr"/>
+                <a:endParaRPr lang="zh-CN" altLang="en-US" i="1" dirty="0"/>
+              </a:p>
+            </p:txBody>
+          </p:sp>
+          <p:sp>
+            <p:nvSpPr>
+              <p:cNvPr id="33" name="TextBox 32">
+                <a:extLst>
+                  <a:ext uri="{FF2B5EF4-FFF2-40B4-BE49-F238E27FC236}">
+                    <a16:creationId xmlns:a16="http://schemas.microsoft.com/office/drawing/2014/main" id="{11FB7497-2293-4665-93CD-0527EA52F12A}"/>
+                  </a:ext>
+                </a:extLst>
+              </p:cNvPr>
+              <p:cNvSpPr txBox="1"/>
+              <p:nvPr/>
+            </p:nvSpPr>
+            <p:spPr>
+              <a:xfrm>
+                <a:off x="14633969" y="8235009"/>
+                <a:ext cx="1552733" cy="369332"/>
+              </a:xfrm>
+              <a:prstGeom prst="rect">
+                <a:avLst/>
+              </a:prstGeom>
+              <a:noFill/>
+            </p:spPr>
+            <p:txBody>
+              <a:bodyPr wrap="none" rtlCol="0">
+                <a:spAutoFit/>
+              </a:bodyPr>
+              <a:lstStyle/>
+              <a:p>
+                <a:r>
+                  <a:rPr lang="en-US" altLang="zh-CN" dirty="0"/>
+                  <a:t>Actinobacteria</a:t>
+                </a:r>
+                <a:endParaRPr lang="zh-CN" altLang="en-US" dirty="0"/>
+              </a:p>
+            </p:txBody>
+          </p:sp>
+          <p:sp>
+            <p:nvSpPr>
+              <p:cNvPr id="34" name="Oval 33">
+                <a:extLst>
+                  <a:ext uri="{FF2B5EF4-FFF2-40B4-BE49-F238E27FC236}">
+                    <a16:creationId xmlns:a16="http://schemas.microsoft.com/office/drawing/2014/main" id="{E50F0308-1169-49BE-911C-C52E8C4913C9}"/>
+                  </a:ext>
+                </a:extLst>
+              </p:cNvPr>
+              <p:cNvSpPr/>
+              <p:nvPr/>
+            </p:nvSpPr>
+            <p:spPr>
+              <a:xfrm>
+                <a:off x="14251113" y="9177204"/>
+                <a:ext cx="276447" cy="276447"/>
+              </a:xfrm>
+              <a:prstGeom prst="ellipse">
+                <a:avLst/>
+              </a:prstGeom>
+              <a:solidFill>
+                <a:srgbClr val="999900"/>
+              </a:solidFill>
+              <a:ln>
+                <a:noFill/>
+              </a:ln>
+            </p:spPr>
+            <p:style>
+              <a:lnRef idx="2">
+                <a:schemeClr val="accent1">
+                  <a:shade val="50000"/>
+                </a:schemeClr>
+              </a:lnRef>
+              <a:fillRef idx="1">
+                <a:schemeClr val="accent1"/>
+              </a:fillRef>
+              <a:effectRef idx="0">
+                <a:schemeClr val="accent1"/>
+              </a:effectRef>
+              <a:fontRef idx="minor">
+                <a:schemeClr val="lt1"/>
+              </a:fontRef>
+            </p:style>
+            <p:txBody>
+              <a:bodyPr rtlCol="0" anchor="ctr"/>
+              <a:lstStyle/>
+              <a:p>
+                <a:pPr algn="ctr"/>
+                <a:endParaRPr lang="zh-CN" altLang="en-US" i="1" dirty="0"/>
+              </a:p>
+            </p:txBody>
+          </p:sp>
+          <p:sp>
+            <p:nvSpPr>
+              <p:cNvPr id="35" name="TextBox 34">
+                <a:extLst>
+                  <a:ext uri="{FF2B5EF4-FFF2-40B4-BE49-F238E27FC236}">
+                    <a16:creationId xmlns:a16="http://schemas.microsoft.com/office/drawing/2014/main" id="{EBD0C5DA-DFE8-4794-B30A-3AE4E9779941}"/>
+                  </a:ext>
+                </a:extLst>
+              </p:cNvPr>
+              <p:cNvSpPr txBox="1"/>
+              <p:nvPr/>
+            </p:nvSpPr>
+            <p:spPr>
+              <a:xfrm>
+                <a:off x="14633969" y="9130761"/>
+                <a:ext cx="1543243" cy="369332"/>
+              </a:xfrm>
+              <a:prstGeom prst="rect">
+                <a:avLst/>
+              </a:prstGeom>
+              <a:noFill/>
+            </p:spPr>
+            <p:txBody>
+              <a:bodyPr wrap="none" rtlCol="0">
+                <a:spAutoFit/>
+              </a:bodyPr>
+              <a:lstStyle/>
+              <a:p>
+                <a:r>
+                  <a:rPr lang="en-US" altLang="zh-CN" dirty="0"/>
+                  <a:t>Basidiomycota</a:t>
+                </a:r>
+                <a:endParaRPr lang="zh-CN" altLang="en-US" dirty="0"/>
+              </a:p>
+            </p:txBody>
+          </p:sp>
+          <p:sp>
+            <p:nvSpPr>
+              <p:cNvPr id="36" name="Oval 35">
+                <a:extLst>
+                  <a:ext uri="{FF2B5EF4-FFF2-40B4-BE49-F238E27FC236}">
+                    <a16:creationId xmlns:a16="http://schemas.microsoft.com/office/drawing/2014/main" id="{C23D9364-817D-430D-B303-2A98590228AB}"/>
+                  </a:ext>
+                </a:extLst>
+              </p:cNvPr>
+              <p:cNvSpPr/>
+              <p:nvPr/>
+            </p:nvSpPr>
+            <p:spPr>
+              <a:xfrm>
+                <a:off x="14251113" y="8580036"/>
+                <a:ext cx="276447" cy="276447"/>
+              </a:xfrm>
+              <a:prstGeom prst="ellipse">
+                <a:avLst/>
+              </a:prstGeom>
+              <a:solidFill>
+                <a:srgbClr val="009900"/>
+              </a:solidFill>
+              <a:ln>
+                <a:noFill/>
+              </a:ln>
+            </p:spPr>
+            <p:style>
+              <a:lnRef idx="2">
+                <a:schemeClr val="accent1">
+                  <a:shade val="50000"/>
+                </a:schemeClr>
+              </a:lnRef>
+              <a:fillRef idx="1">
+                <a:schemeClr val="accent1"/>
+              </a:fillRef>
+              <a:effectRef idx="0">
+                <a:schemeClr val="accent1"/>
+              </a:effectRef>
+              <a:fontRef idx="minor">
+                <a:schemeClr val="lt1"/>
+              </a:fontRef>
+            </p:style>
+            <p:txBody>
+              <a:bodyPr rtlCol="0" anchor="ctr"/>
+              <a:lstStyle/>
+              <a:p>
+                <a:pPr algn="ctr"/>
+                <a:endParaRPr lang="zh-CN" altLang="en-US" i="1" dirty="0"/>
+              </a:p>
+            </p:txBody>
+          </p:sp>
+          <p:sp>
+            <p:nvSpPr>
+              <p:cNvPr id="37" name="TextBox 36">
+                <a:extLst>
+                  <a:ext uri="{FF2B5EF4-FFF2-40B4-BE49-F238E27FC236}">
+                    <a16:creationId xmlns:a16="http://schemas.microsoft.com/office/drawing/2014/main" id="{8C26D670-8C76-4ADE-85A6-7BA68505D792}"/>
+                  </a:ext>
+                </a:extLst>
+              </p:cNvPr>
+              <p:cNvSpPr txBox="1"/>
+              <p:nvPr/>
+            </p:nvSpPr>
+            <p:spPr>
+              <a:xfrm>
+                <a:off x="14633969" y="8533593"/>
+                <a:ext cx="1308884" cy="369332"/>
+              </a:xfrm>
+              <a:prstGeom prst="rect">
+                <a:avLst/>
+              </a:prstGeom>
+              <a:noFill/>
+            </p:spPr>
+            <p:txBody>
+              <a:bodyPr wrap="none" rtlCol="0">
+                <a:spAutoFit/>
+              </a:bodyPr>
+              <a:lstStyle/>
+              <a:p>
+                <a:r>
+                  <a:rPr lang="en-US" altLang="zh-CN" dirty="0"/>
+                  <a:t>Ascomycota</a:t>
+                </a:r>
+                <a:endParaRPr lang="zh-CN" altLang="en-US" dirty="0"/>
+              </a:p>
+            </p:txBody>
+          </p:sp>
+          <p:sp>
+            <p:nvSpPr>
+              <p:cNvPr id="38" name="Oval 37">
+                <a:extLst>
+                  <a:ext uri="{FF2B5EF4-FFF2-40B4-BE49-F238E27FC236}">
+                    <a16:creationId xmlns:a16="http://schemas.microsoft.com/office/drawing/2014/main" id="{02D3703D-B322-4CED-A597-0CECA3C989CB}"/>
+                  </a:ext>
+                </a:extLst>
+              </p:cNvPr>
+              <p:cNvSpPr/>
+              <p:nvPr/>
+            </p:nvSpPr>
+            <p:spPr>
+              <a:xfrm>
+                <a:off x="14251113" y="8878620"/>
+                <a:ext cx="276447" cy="276447"/>
+              </a:xfrm>
+              <a:prstGeom prst="ellipse">
+                <a:avLst/>
+              </a:prstGeom>
+              <a:solidFill>
+                <a:srgbClr val="99FF66"/>
+              </a:solidFill>
+              <a:ln>
+                <a:noFill/>
+              </a:ln>
+            </p:spPr>
+            <p:style>
+              <a:lnRef idx="2">
+                <a:schemeClr val="accent1">
+                  <a:shade val="50000"/>
+                </a:schemeClr>
+              </a:lnRef>
+              <a:fillRef idx="1">
+                <a:schemeClr val="accent1"/>
+              </a:fillRef>
+              <a:effectRef idx="0">
+                <a:schemeClr val="accent1"/>
+              </a:effectRef>
+              <a:fontRef idx="minor">
+                <a:schemeClr val="lt1"/>
+              </a:fontRef>
+            </p:style>
+            <p:txBody>
+              <a:bodyPr rtlCol="0" anchor="ctr"/>
+              <a:lstStyle/>
+              <a:p>
+                <a:pPr algn="ctr"/>
+                <a:endParaRPr lang="zh-CN" altLang="en-US" i="1" dirty="0"/>
+              </a:p>
+            </p:txBody>
+          </p:sp>
+          <p:sp>
+            <p:nvSpPr>
+              <p:cNvPr id="39" name="TextBox 38">
+                <a:extLst>
+                  <a:ext uri="{FF2B5EF4-FFF2-40B4-BE49-F238E27FC236}">
+                    <a16:creationId xmlns:a16="http://schemas.microsoft.com/office/drawing/2014/main" id="{185B7E0E-F638-4AC0-9E07-EDDA6FC6E014}"/>
+                  </a:ext>
+                </a:extLst>
+              </p:cNvPr>
+              <p:cNvSpPr txBox="1"/>
+              <p:nvPr/>
+            </p:nvSpPr>
+            <p:spPr>
+              <a:xfrm>
+                <a:off x="14633969" y="8832177"/>
+                <a:ext cx="1474763" cy="369332"/>
+              </a:xfrm>
+              <a:prstGeom prst="rect">
+                <a:avLst/>
+              </a:prstGeom>
+              <a:noFill/>
+            </p:spPr>
+            <p:txBody>
+              <a:bodyPr wrap="none" rtlCol="0">
+                <a:spAutoFit/>
+              </a:bodyPr>
+              <a:lstStyle/>
+              <a:p>
+                <a:r>
+                  <a:rPr lang="en-US" altLang="zh-CN" dirty="0"/>
+                  <a:t>Bacteroidetes</a:t>
+                </a:r>
+                <a:endParaRPr lang="zh-CN" altLang="en-US" dirty="0"/>
+              </a:p>
+            </p:txBody>
+          </p:sp>
+        </p:grpSp>
+        <p:grpSp>
+          <p:nvGrpSpPr>
+            <p:cNvPr id="16" name="Group 15">
+              <a:extLst>
+                <a:ext uri="{FF2B5EF4-FFF2-40B4-BE49-F238E27FC236}">
+                  <a16:creationId xmlns:a16="http://schemas.microsoft.com/office/drawing/2014/main" id="{50D3AD9C-0B0F-4677-A8C7-9D68C41BB3CC}"/>
+                </a:ext>
+              </a:extLst>
+            </p:cNvPr>
+            <p:cNvGrpSpPr/>
+            <p:nvPr/>
+          </p:nvGrpSpPr>
+          <p:grpSpPr>
+            <a:xfrm>
+              <a:off x="16618027" y="8235009"/>
+              <a:ext cx="1986180" cy="1265085"/>
+              <a:chOff x="16781789" y="8263872"/>
+              <a:chExt cx="1986180" cy="1265085"/>
+            </a:xfrm>
+          </p:grpSpPr>
+          <p:sp>
+            <p:nvSpPr>
+              <p:cNvPr id="17" name="Oval 16">
+                <a:extLst>
+                  <a:ext uri="{FF2B5EF4-FFF2-40B4-BE49-F238E27FC236}">
+                    <a16:creationId xmlns:a16="http://schemas.microsoft.com/office/drawing/2014/main" id="{3D329B9A-034D-4EDC-8B98-5806015A3BB4}"/>
+                  </a:ext>
+                </a:extLst>
+              </p:cNvPr>
+              <p:cNvSpPr/>
+              <p:nvPr/>
+            </p:nvSpPr>
+            <p:spPr>
+              <a:xfrm>
+                <a:off x="16781789" y="8608899"/>
+                <a:ext cx="276447" cy="276447"/>
+              </a:xfrm>
+              <a:prstGeom prst="ellipse">
+                <a:avLst/>
+              </a:prstGeom>
+              <a:solidFill>
+                <a:srgbClr val="FF99FF"/>
+              </a:solidFill>
+              <a:ln>
+                <a:noFill/>
+              </a:ln>
+            </p:spPr>
+            <p:style>
+              <a:lnRef idx="2">
+                <a:schemeClr val="accent1">
+                  <a:shade val="50000"/>
+                </a:schemeClr>
+              </a:lnRef>
+              <a:fillRef idx="1">
+                <a:schemeClr val="accent1"/>
+              </a:fillRef>
+              <a:effectRef idx="0">
+                <a:schemeClr val="accent1"/>
+              </a:effectRef>
+              <a:fontRef idx="minor">
+                <a:schemeClr val="lt1"/>
+              </a:fontRef>
+            </p:style>
+            <p:txBody>
+              <a:bodyPr rtlCol="0" anchor="ctr"/>
+              <a:lstStyle/>
+              <a:p>
+                <a:pPr algn="ctr"/>
+                <a:endParaRPr lang="zh-CN" altLang="en-US" i="1" dirty="0"/>
+              </a:p>
+            </p:txBody>
+          </p:sp>
+          <p:sp>
+            <p:nvSpPr>
+              <p:cNvPr id="18" name="TextBox 17">
+                <a:extLst>
+                  <a:ext uri="{FF2B5EF4-FFF2-40B4-BE49-F238E27FC236}">
+                    <a16:creationId xmlns:a16="http://schemas.microsoft.com/office/drawing/2014/main" id="{4AD78A15-038A-4ECB-9D1D-29A88029B149}"/>
+                  </a:ext>
+                </a:extLst>
+              </p:cNvPr>
+              <p:cNvSpPr txBox="1"/>
+              <p:nvPr/>
+            </p:nvSpPr>
+            <p:spPr>
+              <a:xfrm>
+                <a:off x="17164645" y="8562456"/>
+                <a:ext cx="1387624" cy="369332"/>
+              </a:xfrm>
+              <a:prstGeom prst="rect">
+                <a:avLst/>
+              </a:prstGeom>
+              <a:noFill/>
+            </p:spPr>
+            <p:txBody>
+              <a:bodyPr wrap="none" rtlCol="0">
+                <a:spAutoFit/>
+              </a:bodyPr>
+              <a:lstStyle/>
+              <a:p>
+                <a:r>
+                  <a:rPr lang="en-US" altLang="zh-CN" dirty="0"/>
+                  <a:t>Fusobacteria</a:t>
+                </a:r>
+                <a:endParaRPr lang="zh-CN" altLang="en-US" dirty="0"/>
+              </a:p>
+            </p:txBody>
+          </p:sp>
+          <p:sp>
+            <p:nvSpPr>
+              <p:cNvPr id="19" name="Oval 18">
+                <a:extLst>
+                  <a:ext uri="{FF2B5EF4-FFF2-40B4-BE49-F238E27FC236}">
+                    <a16:creationId xmlns:a16="http://schemas.microsoft.com/office/drawing/2014/main" id="{B5DEC75C-84CF-4116-BEE7-9AC3B461AC9C}"/>
+                  </a:ext>
+                </a:extLst>
+              </p:cNvPr>
+              <p:cNvSpPr/>
+              <p:nvPr/>
+            </p:nvSpPr>
+            <p:spPr>
+              <a:xfrm>
+                <a:off x="16781789" y="9206068"/>
+                <a:ext cx="276447" cy="276447"/>
+              </a:xfrm>
+              <a:prstGeom prst="ellipse">
+                <a:avLst/>
+              </a:prstGeom>
+              <a:solidFill>
+                <a:srgbClr val="99FFFF"/>
+              </a:solidFill>
+              <a:ln>
+                <a:noFill/>
+              </a:ln>
+            </p:spPr>
+            <p:style>
+              <a:lnRef idx="2">
+                <a:schemeClr val="accent1">
+                  <a:shade val="50000"/>
+                </a:schemeClr>
+              </a:lnRef>
+              <a:fillRef idx="1">
+                <a:schemeClr val="accent1"/>
+              </a:fillRef>
+              <a:effectRef idx="0">
+                <a:schemeClr val="accent1"/>
+              </a:effectRef>
+              <a:fontRef idx="minor">
+                <a:schemeClr val="lt1"/>
+              </a:fontRef>
+            </p:style>
+            <p:txBody>
+              <a:bodyPr rtlCol="0" anchor="ctr"/>
+              <a:lstStyle/>
+              <a:p>
+                <a:pPr algn="ctr"/>
+                <a:endParaRPr lang="zh-CN" altLang="en-US" i="1" dirty="0"/>
+              </a:p>
+            </p:txBody>
+          </p:sp>
+          <p:sp>
+            <p:nvSpPr>
+              <p:cNvPr id="20" name="TextBox 19">
+                <a:extLst>
+                  <a:ext uri="{FF2B5EF4-FFF2-40B4-BE49-F238E27FC236}">
+                    <a16:creationId xmlns:a16="http://schemas.microsoft.com/office/drawing/2014/main" id="{A183F1CA-B240-44CD-B000-CC4565F672A6}"/>
+                  </a:ext>
+                </a:extLst>
+              </p:cNvPr>
+              <p:cNvSpPr txBox="1"/>
+              <p:nvPr/>
+            </p:nvSpPr>
+            <p:spPr>
+              <a:xfrm>
+                <a:off x="17164645" y="9159625"/>
+                <a:ext cx="1603324" cy="369332"/>
+              </a:xfrm>
+              <a:prstGeom prst="rect">
+                <a:avLst/>
+              </a:prstGeom>
+              <a:noFill/>
+            </p:spPr>
+            <p:txBody>
+              <a:bodyPr wrap="none" rtlCol="0">
+                <a:spAutoFit/>
+              </a:bodyPr>
+              <a:lstStyle/>
+              <a:p>
+                <a:r>
+                  <a:rPr lang="en-US" altLang="zh-CN" dirty="0"/>
+                  <a:t>Mucoromycota</a:t>
+                </a:r>
+                <a:endParaRPr lang="zh-CN" altLang="en-US" dirty="0"/>
+              </a:p>
+            </p:txBody>
+          </p:sp>
+          <p:sp>
+            <p:nvSpPr>
+              <p:cNvPr id="21" name="Oval 20">
+                <a:extLst>
+                  <a:ext uri="{FF2B5EF4-FFF2-40B4-BE49-F238E27FC236}">
+                    <a16:creationId xmlns:a16="http://schemas.microsoft.com/office/drawing/2014/main" id="{96BD9671-7652-4D0E-8EFE-FD8D83AA6006}"/>
+                  </a:ext>
+                </a:extLst>
+              </p:cNvPr>
+              <p:cNvSpPr/>
+              <p:nvPr/>
+            </p:nvSpPr>
+            <p:spPr>
+              <a:xfrm>
+                <a:off x="16781789" y="8310315"/>
+                <a:ext cx="276447" cy="276447"/>
+              </a:xfrm>
+              <a:prstGeom prst="ellipse">
+                <a:avLst/>
+              </a:prstGeom>
+              <a:solidFill>
+                <a:srgbClr val="FF9999"/>
+              </a:solidFill>
+              <a:ln>
+                <a:noFill/>
+              </a:ln>
+            </p:spPr>
+            <p:style>
+              <a:lnRef idx="2">
+                <a:schemeClr val="accent1">
+                  <a:shade val="50000"/>
+                </a:schemeClr>
+              </a:lnRef>
+              <a:fillRef idx="1">
+                <a:schemeClr val="accent1"/>
+              </a:fillRef>
+              <a:effectRef idx="0">
+                <a:schemeClr val="accent1"/>
+              </a:effectRef>
+              <a:fontRef idx="minor">
+                <a:schemeClr val="lt1"/>
+              </a:fontRef>
+            </p:style>
+            <p:txBody>
+              <a:bodyPr rtlCol="0" anchor="ctr"/>
+              <a:lstStyle/>
+              <a:p>
+                <a:pPr algn="ctr"/>
+                <a:endParaRPr lang="zh-CN" altLang="en-US" i="1" dirty="0"/>
+              </a:p>
+            </p:txBody>
+          </p:sp>
+          <p:sp>
+            <p:nvSpPr>
+              <p:cNvPr id="22" name="TextBox 21">
+                <a:extLst>
+                  <a:ext uri="{FF2B5EF4-FFF2-40B4-BE49-F238E27FC236}">
+                    <a16:creationId xmlns:a16="http://schemas.microsoft.com/office/drawing/2014/main" id="{71CE98CD-DA2A-4BCC-BB85-3C6AFC261F96}"/>
+                  </a:ext>
+                </a:extLst>
+              </p:cNvPr>
+              <p:cNvSpPr txBox="1"/>
+              <p:nvPr/>
+            </p:nvSpPr>
+            <p:spPr>
+              <a:xfrm>
+                <a:off x="17164645" y="8263872"/>
+                <a:ext cx="1159998" cy="369332"/>
+              </a:xfrm>
+              <a:prstGeom prst="rect">
+                <a:avLst/>
+              </a:prstGeom>
+              <a:noFill/>
+            </p:spPr>
+            <p:txBody>
+              <a:bodyPr wrap="none" rtlCol="0">
+                <a:spAutoFit/>
+              </a:bodyPr>
+              <a:lstStyle/>
+              <a:p>
+                <a:r>
+                  <a:rPr lang="en-US" altLang="zh-CN" dirty="0"/>
+                  <a:t>Firmicutes</a:t>
+                </a:r>
+                <a:endParaRPr lang="zh-CN" altLang="en-US" dirty="0"/>
+              </a:p>
+            </p:txBody>
+          </p:sp>
+          <p:sp>
+            <p:nvSpPr>
+              <p:cNvPr id="23" name="Oval 22">
+                <a:extLst>
+                  <a:ext uri="{FF2B5EF4-FFF2-40B4-BE49-F238E27FC236}">
+                    <a16:creationId xmlns:a16="http://schemas.microsoft.com/office/drawing/2014/main" id="{DF4CD918-C7DD-49EB-83D0-5ADF8F03B979}"/>
+                  </a:ext>
+                </a:extLst>
+              </p:cNvPr>
+              <p:cNvSpPr/>
+              <p:nvPr/>
+            </p:nvSpPr>
+            <p:spPr>
+              <a:xfrm>
+                <a:off x="16781789" y="8907484"/>
+                <a:ext cx="276447" cy="276447"/>
+              </a:xfrm>
+              <a:prstGeom prst="ellipse">
+                <a:avLst/>
+              </a:prstGeom>
+              <a:solidFill>
+                <a:srgbClr val="9999FF"/>
+              </a:solidFill>
+              <a:ln>
+                <a:noFill/>
+              </a:ln>
+            </p:spPr>
+            <p:style>
+              <a:lnRef idx="2">
+                <a:schemeClr val="accent1">
+                  <a:shade val="50000"/>
+                </a:schemeClr>
+              </a:lnRef>
+              <a:fillRef idx="1">
+                <a:schemeClr val="accent1"/>
+              </a:fillRef>
+              <a:effectRef idx="0">
+                <a:schemeClr val="accent1"/>
+              </a:effectRef>
+              <a:fontRef idx="minor">
+                <a:schemeClr val="lt1"/>
+              </a:fontRef>
+            </p:style>
+            <p:txBody>
+              <a:bodyPr rtlCol="0" anchor="ctr"/>
+              <a:lstStyle/>
+              <a:p>
+                <a:pPr algn="ctr"/>
+                <a:endParaRPr lang="zh-CN" altLang="en-US" i="1" dirty="0"/>
+              </a:p>
+            </p:txBody>
+          </p:sp>
+          <p:sp>
+            <p:nvSpPr>
+              <p:cNvPr id="24" name="TextBox 23">
+                <a:extLst>
+                  <a:ext uri="{FF2B5EF4-FFF2-40B4-BE49-F238E27FC236}">
+                    <a16:creationId xmlns:a16="http://schemas.microsoft.com/office/drawing/2014/main" id="{B140CE7E-FD58-4A90-BACF-5F0301C6B7BC}"/>
+                  </a:ext>
+                </a:extLst>
+              </p:cNvPr>
+              <p:cNvSpPr txBox="1"/>
+              <p:nvPr/>
+            </p:nvSpPr>
+            <p:spPr>
+              <a:xfrm>
+                <a:off x="17164645" y="8861041"/>
+                <a:ext cx="1482585" cy="369332"/>
+              </a:xfrm>
+              <a:prstGeom prst="rect">
+                <a:avLst/>
+              </a:prstGeom>
+              <a:noFill/>
+            </p:spPr>
+            <p:txBody>
+              <a:bodyPr wrap="none" rtlCol="0">
+                <a:spAutoFit/>
+              </a:bodyPr>
+              <a:lstStyle/>
+              <a:p>
+                <a:r>
+                  <a:rPr lang="en-US" altLang="zh-CN" dirty="0"/>
+                  <a:t>Microsporidia</a:t>
+                </a:r>
+                <a:endParaRPr lang="zh-CN" altLang="en-US" dirty="0"/>
+              </a:p>
+            </p:txBody>
+          </p:sp>
+        </p:grpSp>
+      </p:grpSp>
     </p:spTree>
     <p:extLst>
       <p:ext uri="{BB962C8B-B14F-4D97-AF65-F5344CB8AC3E}">
